--- a/DEVSQL_10_MemoryOptimized/DEVSQL_10_MemoryOptimized.pptx
+++ b/DEVSQL_10_MemoryOptimized/DEVSQL_10_MemoryOptimized.pptx
@@ -5,23 +5,26 @@
     <p:sldMasterId id="2147483903" r:id="rId1"/>
   </p:sldMasterIdLst>
   <p:notesMasterIdLst>
-    <p:notesMasterId r:id="rId16"/>
+    <p:notesMasterId r:id="rId19"/>
   </p:notesMasterIdLst>
   <p:sldIdLst>
     <p:sldId id="256" r:id="rId2"/>
     <p:sldId id="331" r:id="rId3"/>
     <p:sldId id="333" r:id="rId4"/>
-    <p:sldId id="334" r:id="rId5"/>
-    <p:sldId id="342" r:id="rId6"/>
-    <p:sldId id="343" r:id="rId7"/>
+    <p:sldId id="342" r:id="rId5"/>
+    <p:sldId id="346" r:id="rId6"/>
+    <p:sldId id="334" r:id="rId7"/>
     <p:sldId id="340" r:id="rId8"/>
-    <p:sldId id="341" r:id="rId9"/>
+    <p:sldId id="343" r:id="rId9"/>
     <p:sldId id="335" r:id="rId10"/>
-    <p:sldId id="336" r:id="rId11"/>
-    <p:sldId id="337" r:id="rId12"/>
-    <p:sldId id="338" r:id="rId13"/>
-    <p:sldId id="339" r:id="rId14"/>
-    <p:sldId id="332" r:id="rId15"/>
+    <p:sldId id="345" r:id="rId11"/>
+    <p:sldId id="336" r:id="rId12"/>
+    <p:sldId id="337" r:id="rId13"/>
+    <p:sldId id="338" r:id="rId14"/>
+    <p:sldId id="339" r:id="rId15"/>
+    <p:sldId id="344" r:id="rId16"/>
+    <p:sldId id="347" r:id="rId17"/>
+    <p:sldId id="332" r:id="rId18"/>
   </p:sldIdLst>
   <p:sldSz cx="12192000" cy="6858000"/>
   <p:notesSz cx="6858000" cy="9144000"/>
@@ -237,7 +240,7 @@
           <a:p>
             <a:fld id="{A72FB546-F199-4B4F-99BF-57E72CB8BE0D}" type="datetimeFigureOut">
               <a:rPr lang="en-GB" smtClean="0"/>
-              <a:t>28/10/2018</a:t>
+              <a:t>29/10/2018</a:t>
             </a:fld>
             <a:endParaRPr lang="en-GB"/>
           </a:p>
@@ -813,7 +816,7 @@
           <a:p>
             <a:fld id="{7E6511AE-6BCB-4398-BD1D-05D3C2F0054D}" type="datetime1">
               <a:rPr lang="en-US" smtClean="0"/>
-              <a:t>10/28/2018</a:t>
+              <a:t>10/29/2018</a:t>
             </a:fld>
             <a:endParaRPr lang="en-US" dirty="0"/>
           </a:p>
@@ -988,7 +991,7 @@
           <a:p>
             <a:fld id="{E827D97C-24C0-4B5C-A80E-40B39BAAE63F}" type="datetime1">
               <a:rPr lang="en-US" smtClean="0"/>
-              <a:t>10/28/2018</a:t>
+              <a:t>10/29/2018</a:t>
             </a:fld>
             <a:endParaRPr lang="en-US" dirty="0"/>
           </a:p>
@@ -1172,7 +1175,7 @@
           <a:p>
             <a:fld id="{FE028B01-4AE9-4A0A-B62F-5725ABC501C9}" type="datetime1">
               <a:rPr lang="en-US" smtClean="0"/>
-              <a:t>10/28/2018</a:t>
+              <a:t>10/29/2018</a:t>
             </a:fld>
             <a:endParaRPr lang="en-US" dirty="0"/>
           </a:p>
@@ -1346,7 +1349,7 @@
           <a:p>
             <a:fld id="{39EA180A-DC18-44AA-B9F3-A0200DF07BA4}" type="datetime1">
               <a:rPr lang="en-US" smtClean="0"/>
-              <a:t>10/28/2018</a:t>
+              <a:t>10/29/2018</a:t>
             </a:fld>
             <a:endParaRPr lang="en-US" dirty="0"/>
           </a:p>
@@ -1608,7 +1611,7 @@
           <a:p>
             <a:fld id="{25161C3B-B11B-40E4-B871-625D84AA5354}" type="datetime1">
               <a:rPr lang="en-US" smtClean="0"/>
-              <a:t>10/28/2018</a:t>
+              <a:t>10/29/2018</a:t>
             </a:fld>
             <a:endParaRPr lang="en-US" dirty="0"/>
           </a:p>
@@ -1901,7 +1904,7 @@
           <a:p>
             <a:fld id="{52C5C65C-1186-419E-BFAD-013A26325DC4}" type="datetime1">
               <a:rPr lang="en-US" smtClean="0"/>
-              <a:t>10/28/2018</a:t>
+              <a:t>10/29/2018</a:t>
             </a:fld>
             <a:endParaRPr lang="en-US" dirty="0"/>
           </a:p>
@@ -2347,7 +2350,7 @@
           <a:p>
             <a:fld id="{E742CAA8-724E-40CD-8301-50632B6CF5B7}" type="datetime1">
               <a:rPr lang="en-US" smtClean="0"/>
-              <a:t>10/28/2018</a:t>
+              <a:t>10/29/2018</a:t>
             </a:fld>
             <a:endParaRPr lang="en-US" dirty="0"/>
           </a:p>
@@ -2469,7 +2472,7 @@
           <a:p>
             <a:fld id="{6BDDD29F-7E21-4B7A-8AE9-71115E9235FB}" type="datetime1">
               <a:rPr lang="en-US" smtClean="0"/>
-              <a:t>10/28/2018</a:t>
+              <a:t>10/29/2018</a:t>
             </a:fld>
             <a:endParaRPr lang="en-US" dirty="0"/>
           </a:p>
@@ -2568,7 +2571,7 @@
           <a:p>
             <a:fld id="{33705AA8-CCD5-46E2-B301-A8811435A645}" type="datetime1">
               <a:rPr lang="en-US" smtClean="0"/>
-              <a:t>10/28/2018</a:t>
+              <a:t>10/29/2018</a:t>
             </a:fld>
             <a:endParaRPr lang="en-US" dirty="0"/>
           </a:p>
@@ -2860,7 +2863,7 @@
           <a:p>
             <a:fld id="{3BE9C1F3-7BBF-43EF-A558-DABF3AA9DF34}" type="datetime1">
               <a:rPr lang="en-US" smtClean="0"/>
-              <a:t>10/28/2018</a:t>
+              <a:t>10/29/2018</a:t>
             </a:fld>
             <a:endParaRPr lang="en-US" dirty="0"/>
           </a:p>
@@ -3138,7 +3141,7 @@
           <a:p>
             <a:fld id="{4773B028-36EF-4728-A777-B9C9CEDF1F0B}" type="datetime1">
               <a:rPr lang="en-US" smtClean="0"/>
-              <a:t>10/28/2018</a:t>
+              <a:t>10/29/2018</a:t>
             </a:fld>
             <a:endParaRPr lang="en-US" dirty="0"/>
           </a:p>
@@ -3440,7 +3443,7 @@
           <a:p>
             <a:fld id="{0CAAE83D-2D07-4431-B231-DBDFEB77BE3B}" type="datetime1">
               <a:rPr lang="en-US" smtClean="0"/>
-              <a:t>10/28/2018</a:t>
+              <a:t>10/29/2018</a:t>
             </a:fld>
             <a:endParaRPr lang="en-US" dirty="0"/>
           </a:p>
@@ -4021,229 +4024,6 @@
       </p:grpSpPr>
       <p:sp>
         <p:nvSpPr>
-          <p:cNvPr id="9" name="pole tekstowe 8"/>
-          <p:cNvSpPr txBox="1"/>
-          <p:nvPr/>
-        </p:nvSpPr>
-        <p:spPr>
-          <a:xfrm>
-            <a:off x="489706" y="624631"/>
-            <a:ext cx="10374037" cy="5570756"/>
-          </a:xfrm>
-          <a:prstGeom prst="rect">
-            <a:avLst/>
-          </a:prstGeom>
-          <a:noFill/>
-        </p:spPr>
-        <p:txBody>
-          <a:bodyPr wrap="square" rtlCol="0">
-            <a:spAutoFit/>
-          </a:bodyPr>
-          <a:lstStyle/>
-          <a:p>
-            <a:r>
-              <a:rPr lang="pl-PL" sz="2800" b="1" dirty="0" smtClean="0"/>
-              <a:t>Natively compiled SPs – limitations #1</a:t>
-            </a:r>
-            <a:endParaRPr lang="en-US" sz="2800" b="1" dirty="0"/>
-          </a:p>
-          <a:p>
-            <a:endParaRPr lang="en-US" dirty="0"/>
-          </a:p>
-          <a:p>
-            <a:r>
-              <a:rPr lang="en-US" dirty="0"/>
-              <a:t>Many of the limitations that existed in SQL Server 2014 for natively compiled stored procedures</a:t>
-            </a:r>
-          </a:p>
-          <a:p>
-            <a:r>
-              <a:rPr lang="en-US" dirty="0"/>
-              <a:t>have been removed. However, the following limitations still remain in SQL Server 2016:</a:t>
-            </a:r>
-          </a:p>
-          <a:p>
-            <a:pPr lvl="1"/>
-            <a:endParaRPr lang="en-US" dirty="0"/>
-          </a:p>
-          <a:p>
-            <a:pPr lvl="1"/>
-            <a:r>
-              <a:rPr lang="en-US" sz="1600" b="1" dirty="0" err="1"/>
-              <a:t>tempdb</a:t>
-            </a:r>
-            <a:r>
-              <a:rPr lang="en-US" sz="1600" b="1" dirty="0"/>
-              <a:t> access </a:t>
-            </a:r>
-            <a:endParaRPr lang="pl-PL" sz="1600" b="1" dirty="0" smtClean="0"/>
-          </a:p>
-          <a:p>
-            <a:pPr lvl="1"/>
-            <a:r>
-              <a:rPr lang="pl-PL" sz="1600" dirty="0" smtClean="0"/>
-              <a:t>	</a:t>
-            </a:r>
-            <a:r>
-              <a:rPr lang="en-US" sz="1600" i="1" dirty="0" smtClean="0"/>
-              <a:t>You </a:t>
-            </a:r>
-            <a:r>
-              <a:rPr lang="en-US" sz="1600" i="1" dirty="0"/>
-              <a:t>cannot create or access temporary tables, table variables, or table-valued functions in </a:t>
-            </a:r>
-            <a:r>
-              <a:rPr lang="en-US" sz="1600" i="1" dirty="0" err="1"/>
-              <a:t>tempdb</a:t>
-            </a:r>
-            <a:r>
-              <a:rPr lang="en-US" sz="1600" i="1" dirty="0"/>
-              <a:t>.</a:t>
-            </a:r>
-          </a:p>
-          <a:p>
-            <a:pPr lvl="1"/>
-            <a:endParaRPr lang="pl-PL" sz="1600" dirty="0" smtClean="0"/>
-          </a:p>
-          <a:p>
-            <a:pPr lvl="1"/>
-            <a:r>
-              <a:rPr lang="pl-PL" sz="1600" b="1" dirty="0" smtClean="0"/>
-              <a:t>CURSOR</a:t>
-            </a:r>
-          </a:p>
-          <a:p>
-            <a:pPr lvl="1"/>
-            <a:r>
-              <a:rPr lang="pl-PL" sz="1600" i="1" dirty="0" smtClean="0"/>
-              <a:t>	</a:t>
-            </a:r>
-            <a:r>
-              <a:rPr lang="en-US" sz="1600" i="1" dirty="0" smtClean="0"/>
-              <a:t>As </a:t>
-            </a:r>
-            <a:r>
-              <a:rPr lang="en-US" sz="1600" i="1" dirty="0"/>
-              <a:t>an alternative, you can use set-based logic or a WHILE loop.</a:t>
-            </a:r>
-          </a:p>
-          <a:p>
-            <a:pPr lvl="1"/>
-            <a:endParaRPr lang="pl-PL" sz="1600" dirty="0" smtClean="0"/>
-          </a:p>
-          <a:p>
-            <a:pPr lvl="1"/>
-            <a:r>
-              <a:rPr lang="en-US" sz="1600" b="1" dirty="0" smtClean="0"/>
-              <a:t>CASE </a:t>
-            </a:r>
-            <a:r>
-              <a:rPr lang="en-US" sz="1600" b="1" dirty="0"/>
-              <a:t>statement</a:t>
-            </a:r>
-          </a:p>
-          <a:p>
-            <a:pPr lvl="1"/>
-            <a:endParaRPr lang="pl-PL" sz="1600" dirty="0" smtClean="0"/>
-          </a:p>
-          <a:p>
-            <a:pPr lvl="1"/>
-            <a:r>
-              <a:rPr lang="en-US" sz="1600" b="1" dirty="0" smtClean="0"/>
-              <a:t>MERGE </a:t>
-            </a:r>
-            <a:r>
-              <a:rPr lang="en-US" sz="1600" b="1" dirty="0"/>
-              <a:t>statement </a:t>
-            </a:r>
-            <a:endParaRPr lang="pl-PL" sz="1600" b="1" dirty="0" smtClean="0"/>
-          </a:p>
-          <a:p>
-            <a:pPr lvl="1"/>
-            <a:r>
-              <a:rPr lang="pl-PL" sz="1600" dirty="0" smtClean="0"/>
-              <a:t>	</a:t>
-            </a:r>
-            <a:r>
-              <a:rPr lang="en-US" sz="1600" i="1" dirty="0" smtClean="0"/>
-              <a:t>You </a:t>
-            </a:r>
-            <a:r>
-              <a:rPr lang="en-US" sz="1600" i="1" dirty="0"/>
-              <a:t>cannot use a memory-optimized table as the target of a MERGE statement.</a:t>
-            </a:r>
-          </a:p>
-          <a:p>
-            <a:pPr lvl="1"/>
-            <a:endParaRPr lang="pl-PL" sz="1600" dirty="0" smtClean="0"/>
-          </a:p>
-          <a:p>
-            <a:pPr lvl="1"/>
-            <a:r>
-              <a:rPr lang="en-US" sz="1600" b="1" dirty="0" smtClean="0"/>
-              <a:t>SELECT </a:t>
-            </a:r>
-            <a:r>
-              <a:rPr lang="en-US" sz="1600" b="1" dirty="0"/>
-              <a:t>INTO clause </a:t>
-            </a:r>
-            <a:endParaRPr lang="pl-PL" sz="1600" b="1" dirty="0" smtClean="0"/>
-          </a:p>
-          <a:p>
-            <a:pPr lvl="1"/>
-            <a:r>
-              <a:rPr lang="pl-PL" sz="1600" dirty="0" smtClean="0"/>
-              <a:t>	</a:t>
-            </a:r>
-            <a:r>
-              <a:rPr lang="en-US" sz="1600" i="1" dirty="0" smtClean="0"/>
-              <a:t>You </a:t>
-            </a:r>
-            <a:r>
-              <a:rPr lang="en-US" sz="1600" i="1" dirty="0"/>
-              <a:t>cannot use an INTO clause with a SELECT statement.</a:t>
-            </a:r>
-          </a:p>
-          <a:p>
-            <a:pPr lvl="1"/>
-            <a:endParaRPr lang="pl-PL" sz="1600" dirty="0" smtClean="0"/>
-          </a:p>
-          <a:p>
-            <a:pPr lvl="1"/>
-            <a:r>
-              <a:rPr lang="en-US" sz="1600" b="1" dirty="0" smtClean="0"/>
-              <a:t>FROM </a:t>
-            </a:r>
-            <a:r>
-              <a:rPr lang="en-US" sz="1600" b="1" dirty="0"/>
-              <a:t>clause </a:t>
-            </a:r>
-            <a:endParaRPr lang="pl-PL" sz="1600" b="1" dirty="0" smtClean="0"/>
-          </a:p>
-          <a:p>
-            <a:pPr lvl="1"/>
-            <a:r>
-              <a:rPr lang="pl-PL" sz="1600" i="1" dirty="0" smtClean="0"/>
-              <a:t>	</a:t>
-            </a:r>
-            <a:r>
-              <a:rPr lang="en-US" sz="1600" i="1" dirty="0" smtClean="0"/>
-              <a:t>You </a:t>
-            </a:r>
-            <a:r>
-              <a:rPr lang="en-US" sz="1600" i="1" dirty="0"/>
-              <a:t>cannot use a FROM clause or subqueries in an UPDATE statement</a:t>
-            </a:r>
-            <a:r>
-              <a:rPr lang="en-US" sz="1600" i="1" dirty="0" smtClean="0"/>
-              <a:t>.</a:t>
-            </a:r>
-            <a:endParaRPr lang="en-US" sz="1600" i="1" dirty="0"/>
-          </a:p>
-        </p:txBody>
-      </p:sp>
-      <p:sp>
-        <p:nvSpPr>
           <p:cNvPr id="12" name="Symbol zastępczy stopki 11"/>
           <p:cNvSpPr>
             <a:spLocks noGrp="1"/>
@@ -4270,10 +4050,44 @@
           </a:p>
         </p:txBody>
       </p:sp>
+      <p:pic>
+        <p:nvPicPr>
+          <p:cNvPr id="2" name="Picture 1"/>
+          <p:cNvPicPr>
+            <a:picLocks noChangeAspect="1"/>
+          </p:cNvPicPr>
+          <p:nvPr/>
+        </p:nvPicPr>
+        <p:blipFill>
+          <a:blip r:embed="rId2"/>
+          <a:stretch>
+            <a:fillRect/>
+          </a:stretch>
+        </p:blipFill>
+        <p:spPr>
+          <a:xfrm>
+            <a:off x="2224087" y="1071562"/>
+            <a:ext cx="7743825" cy="4714875"/>
+          </a:xfrm>
+          <a:prstGeom prst="rect">
+            <a:avLst/>
+          </a:prstGeom>
+          <a:ln>
+            <a:noFill/>
+          </a:ln>
+          <a:effectLst>
+            <a:outerShdw blurRad="292100" dist="139700" dir="2700000" algn="tl" rotWithShape="0">
+              <a:srgbClr val="333333">
+                <a:alpha val="65000"/>
+              </a:srgbClr>
+            </a:outerShdw>
+          </a:effectLst>
+        </p:spPr>
+      </p:pic>
     </p:spTree>
     <p:extLst>
       <p:ext uri="{BB962C8B-B14F-4D97-AF65-F5344CB8AC3E}">
-        <p14:creationId xmlns:p14="http://schemas.microsoft.com/office/powerpoint/2010/main" val="2404602492"/>
+        <p14:creationId xmlns:p14="http://schemas.microsoft.com/office/powerpoint/2010/main" val="2405104618"/>
       </p:ext>
     </p:extLst>
   </p:cSld>
@@ -4316,7 +4130,7 @@
         <p:spPr>
           <a:xfrm>
             <a:off x="489706" y="624631"/>
-            <a:ext cx="10374037" cy="5447645"/>
+            <a:ext cx="10374037" cy="5570756"/>
           </a:xfrm>
           <a:prstGeom prst="rect">
             <a:avLst/>
@@ -4331,61 +4145,74 @@
           <a:p>
             <a:r>
               <a:rPr lang="pl-PL" sz="2800" b="1" dirty="0" smtClean="0"/>
-              <a:t>Natively compiled SPs – limitations #2</a:t>
+              <a:t>Natively compiled SPs – limitations #1</a:t>
             </a:r>
             <a:endParaRPr lang="en-US" sz="2800" b="1" dirty="0"/>
           </a:p>
           <a:p>
-            <a:pPr lvl="1"/>
-            <a:endParaRPr lang="pl-PL" sz="1600" dirty="0"/>
-          </a:p>
-          <a:p>
-            <a:pPr lvl="1"/>
+            <a:endParaRPr lang="en-US" dirty="0"/>
+          </a:p>
+          <a:p>
+            <a:r>
+              <a:rPr lang="en-US" dirty="0"/>
+              <a:t>Many of the limitations that existed in SQL Server 2014 for natively compiled stored procedures</a:t>
+            </a:r>
+          </a:p>
+          <a:p>
+            <a:r>
+              <a:rPr lang="en-US" dirty="0"/>
+              <a:t>have been removed. However, the following limitations still remain in SQL Server 2016:</a:t>
+            </a:r>
+          </a:p>
+          <a:p>
+            <a:pPr lvl="1"/>
+            <a:endParaRPr lang="en-US" dirty="0"/>
+          </a:p>
+          <a:p>
+            <a:pPr lvl="1"/>
+            <a:r>
+              <a:rPr lang="en-US" sz="1600" b="1" dirty="0" err="1"/>
+              <a:t>tempdb</a:t>
+            </a:r>
             <a:r>
               <a:rPr lang="en-US" sz="1600" b="1" dirty="0"/>
-              <a:t>PERCENT or WITH TIES in TOP </a:t>
-            </a:r>
-            <a:r>
-              <a:rPr lang="en-US" sz="1600" b="1" dirty="0" smtClean="0"/>
-              <a:t>clause</a:t>
-            </a:r>
-            <a:endParaRPr lang="en-US" sz="1600" b="1" dirty="0"/>
-          </a:p>
-          <a:p>
-            <a:pPr lvl="1"/>
+              <a:t> access </a:t>
+            </a:r>
             <a:endParaRPr lang="pl-PL" sz="1600" b="1" dirty="0" smtClean="0"/>
           </a:p>
           <a:p>
             <a:pPr lvl="1"/>
             <a:r>
-              <a:rPr lang="en-US" sz="1600" b="1" dirty="0" smtClean="0"/>
-              <a:t>DISTINCT </a:t>
-            </a:r>
-            <a:r>
-              <a:rPr lang="en-US" sz="1600" b="1" dirty="0"/>
-              <a:t>with aggregate </a:t>
-            </a:r>
-            <a:r>
-              <a:rPr lang="en-US" sz="1600" b="1" dirty="0" smtClean="0"/>
-              <a:t>functions</a:t>
-            </a:r>
-            <a:endParaRPr lang="en-US" sz="1600" b="1" dirty="0"/>
-          </a:p>
-          <a:p>
-            <a:pPr lvl="1"/>
-            <a:endParaRPr lang="pl-PL" sz="1600" b="1" dirty="0" smtClean="0"/>
-          </a:p>
-          <a:p>
-            <a:pPr lvl="1"/>
-            <a:r>
-              <a:rPr lang="en-US" sz="1600" b="1" dirty="0" smtClean="0"/>
-              <a:t>INTERSECT</a:t>
-            </a:r>
-            <a:r>
-              <a:rPr lang="en-US" sz="1600" b="1" dirty="0"/>
-              <a:t>, EXCEPT, APPLY, PIVOT, UNPIVOT, LIKE, CONTAINS </a:t>
-            </a:r>
-            <a:endParaRPr lang="pl-PL" sz="1600" b="1" dirty="0" smtClean="0"/>
+              <a:rPr lang="pl-PL" sz="1600" dirty="0" smtClean="0"/>
+              <a:t>	</a:t>
+            </a:r>
+            <a:r>
+              <a:rPr lang="en-US" sz="1600" i="1" dirty="0" smtClean="0"/>
+              <a:t>You </a:t>
+            </a:r>
+            <a:r>
+              <a:rPr lang="en-US" sz="1600" i="1" dirty="0"/>
+              <a:t>cannot create or access temporary tables, table variables, or table-valued functions in </a:t>
+            </a:r>
+            <a:r>
+              <a:rPr lang="en-US" sz="1600" i="1" dirty="0" err="1"/>
+              <a:t>tempdb</a:t>
+            </a:r>
+            <a:r>
+              <a:rPr lang="en-US" sz="1600" i="1" dirty="0"/>
+              <a:t>.</a:t>
+            </a:r>
+          </a:p>
+          <a:p>
+            <a:pPr lvl="1"/>
+            <a:endParaRPr lang="pl-PL" sz="1600" dirty="0" smtClean="0"/>
+          </a:p>
+          <a:p>
+            <a:pPr lvl="1"/>
+            <a:r>
+              <a:rPr lang="pl-PL" sz="1600" b="1" dirty="0" smtClean="0"/>
+              <a:t>CURSOR</a:t>
+            </a:r>
           </a:p>
           <a:p>
             <a:pPr lvl="1"/>
@@ -4395,11 +4222,11 @@
             </a:r>
             <a:r>
               <a:rPr lang="en-US" sz="1600" i="1" dirty="0" smtClean="0"/>
-              <a:t>There </a:t>
+              <a:t>As </a:t>
             </a:r>
             <a:r>
               <a:rPr lang="en-US" sz="1600" i="1" dirty="0"/>
-              <a:t>are no alternatives for using these operators in a natively compiled stored procedure.</a:t>
+              <a:t>an alternative, you can use set-based logic or a WHILE loop.</a:t>
             </a:r>
           </a:p>
           <a:p>
@@ -4410,116 +4237,110 @@
             <a:pPr lvl="1"/>
             <a:r>
               <a:rPr lang="en-US" sz="1600" b="1" dirty="0" smtClean="0"/>
-              <a:t>Common </a:t>
+              <a:t>CASE </a:t>
             </a:r>
             <a:r>
               <a:rPr lang="en-US" sz="1600" b="1" dirty="0"/>
-              <a:t>table expressions (CTEs) </a:t>
+              <a:t>statement</a:t>
+            </a:r>
+          </a:p>
+          <a:p>
+            <a:pPr lvl="1"/>
+            <a:endParaRPr lang="pl-PL" sz="1600" dirty="0" smtClean="0"/>
+          </a:p>
+          <a:p>
+            <a:pPr lvl="1"/>
+            <a:r>
+              <a:rPr lang="en-US" sz="1600" b="1" dirty="0" smtClean="0"/>
+              <a:t>MERGE </a:t>
+            </a:r>
+            <a:r>
+              <a:rPr lang="en-US" sz="1600" b="1" dirty="0"/>
+              <a:t>statement </a:t>
             </a:r>
             <a:endParaRPr lang="pl-PL" sz="1600" b="1" dirty="0" smtClean="0"/>
           </a:p>
           <a:p>
-            <a:pPr lvl="2"/>
+            <a:pPr lvl="1"/>
+            <a:r>
+              <a:rPr lang="pl-PL" sz="1600" dirty="0" smtClean="0"/>
+              <a:t>	</a:t>
+            </a:r>
             <a:r>
               <a:rPr lang="en-US" sz="1600" i="1" dirty="0" smtClean="0"/>
               <a:t>You </a:t>
             </a:r>
             <a:r>
               <a:rPr lang="en-US" sz="1600" i="1" dirty="0"/>
-              <a:t>must rewrite your query to reproduce the functionality of a CTE in a natively compiled stored procedure</a:t>
+              <a:t>cannot use a memory-optimized table as the target of a MERGE statement.</a:t>
+            </a:r>
+          </a:p>
+          <a:p>
+            <a:pPr lvl="1"/>
+            <a:endParaRPr lang="pl-PL" sz="1600" dirty="0" smtClean="0"/>
+          </a:p>
+          <a:p>
+            <a:pPr lvl="1"/>
+            <a:r>
+              <a:rPr lang="en-US" sz="1600" b="1" dirty="0" smtClean="0"/>
+              <a:t>SELECT </a:t>
+            </a:r>
+            <a:r>
+              <a:rPr lang="en-US" sz="1600" b="1" dirty="0"/>
+              <a:t>INTO clause </a:t>
+            </a:r>
+            <a:endParaRPr lang="pl-PL" sz="1600" b="1" dirty="0" smtClean="0"/>
+          </a:p>
+          <a:p>
+            <a:pPr lvl="1"/>
+            <a:r>
+              <a:rPr lang="pl-PL" sz="1600" dirty="0" smtClean="0"/>
+              <a:t>	</a:t>
+            </a:r>
+            <a:r>
+              <a:rPr lang="en-US" sz="1600" i="1" dirty="0" smtClean="0"/>
+              <a:t>You </a:t>
+            </a:r>
+            <a:r>
+              <a:rPr lang="en-US" sz="1600" i="1" dirty="0"/>
+              <a:t>cannot use an INTO clause with a SELECT statement.</a:t>
+            </a:r>
+          </a:p>
+          <a:p>
+            <a:pPr lvl="1"/>
+            <a:endParaRPr lang="pl-PL" sz="1600" dirty="0" smtClean="0"/>
+          </a:p>
+          <a:p>
+            <a:pPr lvl="1"/>
+            <a:r>
+              <a:rPr lang="en-US" sz="1600" b="1" dirty="0" smtClean="0"/>
+              <a:t>FROM </a:t>
+            </a:r>
+            <a:r>
+              <a:rPr lang="en-US" sz="1600" b="1" dirty="0"/>
+              <a:t>clause </a:t>
+            </a:r>
+            <a:endParaRPr lang="pl-PL" sz="1600" b="1" dirty="0" smtClean="0"/>
+          </a:p>
+          <a:p>
+            <a:pPr lvl="1"/>
+            <a:r>
+              <a:rPr lang="pl-PL" sz="1600" i="1" dirty="0" smtClean="0"/>
+              <a:t>	</a:t>
+            </a:r>
+            <a:r>
+              <a:rPr lang="en-US" sz="1600" i="1" dirty="0" smtClean="0"/>
+              <a:t>You </a:t>
+            </a:r>
+            <a:r>
+              <a:rPr lang="en-US" sz="1600" i="1" dirty="0"/>
+              <a:t>cannot use a FROM clause or subqueries in an UPDATE statement</a:t>
             </a:r>
             <a:r>
               <a:rPr lang="en-US" sz="1600" i="1" dirty="0" smtClean="0"/>
               <a:t>.</a:t>
             </a:r>
-            <a:endParaRPr lang="pl-PL" sz="1600" i="1" dirty="0" smtClean="0"/>
-          </a:p>
-          <a:p>
-            <a:pPr lvl="1"/>
-            <a:endParaRPr lang="en-US" sz="1600" dirty="0"/>
-          </a:p>
-          <a:p>
-            <a:pPr lvl="1"/>
-            <a:r>
-              <a:rPr lang="en-US" sz="1600" b="1" dirty="0"/>
-              <a:t>Multi-row INSERT statements </a:t>
-            </a:r>
-            <a:endParaRPr lang="pl-PL" sz="1600" b="1" dirty="0" smtClean="0"/>
-          </a:p>
-          <a:p>
-            <a:pPr lvl="1"/>
-            <a:r>
-              <a:rPr lang="pl-PL" sz="1600" i="1" dirty="0" smtClean="0"/>
-              <a:t>	</a:t>
-            </a:r>
-            <a:r>
-              <a:rPr lang="en-US" sz="1600" i="1" dirty="0" smtClean="0"/>
-              <a:t>You </a:t>
-            </a:r>
-            <a:r>
-              <a:rPr lang="en-US" sz="1600" i="1" dirty="0"/>
-              <a:t>must instead use separate INSERT statements in a natively compiled stored procedure</a:t>
-            </a:r>
-            <a:r>
-              <a:rPr lang="en-US" sz="1600" i="1" dirty="0" smtClean="0"/>
-              <a:t>.</a:t>
-            </a:r>
-            <a:endParaRPr lang="pl-PL" sz="1600" i="1" dirty="0" smtClean="0"/>
-          </a:p>
-          <a:p>
-            <a:pPr lvl="1"/>
-            <a:endParaRPr lang="en-US" sz="1600" dirty="0"/>
-          </a:p>
-          <a:p>
-            <a:pPr lvl="1"/>
-            <a:r>
-              <a:rPr lang="en-US" sz="1600" b="1" dirty="0"/>
-              <a:t>EXECUTE WITH RECOMPILE </a:t>
-            </a:r>
-            <a:endParaRPr lang="pl-PL" sz="1600" b="1" dirty="0" smtClean="0"/>
-          </a:p>
-          <a:p>
-            <a:pPr lvl="1"/>
-            <a:r>
-              <a:rPr lang="pl-PL" sz="1600" i="1" dirty="0" smtClean="0"/>
-              <a:t>	</a:t>
-            </a:r>
-            <a:r>
-              <a:rPr lang="en-US" sz="1600" i="1" dirty="0" smtClean="0"/>
-              <a:t>There </a:t>
-            </a:r>
-            <a:r>
-              <a:rPr lang="en-US" sz="1600" i="1" dirty="0"/>
-              <a:t>is no alternative for using this option in a natively compiled stored procedure</a:t>
-            </a:r>
-            <a:r>
-              <a:rPr lang="en-US" sz="1600" i="1" dirty="0" smtClean="0"/>
-              <a:t>.</a:t>
-            </a:r>
-            <a:endParaRPr lang="pl-PL" sz="1600" i="1" dirty="0" smtClean="0"/>
-          </a:p>
-          <a:p>
-            <a:pPr lvl="1"/>
-            <a:endParaRPr lang="en-US" sz="1600" dirty="0"/>
-          </a:p>
-          <a:p>
-            <a:pPr lvl="1"/>
-            <a:r>
-              <a:rPr lang="pl-PL" sz="1600" b="1" dirty="0" smtClean="0"/>
-              <a:t>VIEW</a:t>
-            </a:r>
-          </a:p>
-          <a:p>
-            <a:pPr lvl="2"/>
-            <a:r>
-              <a:rPr lang="en-US" sz="1600" i="1" dirty="0" smtClean="0"/>
-              <a:t>You </a:t>
-            </a:r>
-            <a:r>
-              <a:rPr lang="en-US" sz="1600" i="1" dirty="0"/>
-              <a:t>cannot reference a view in a natively compiled stored procedure. You must define your desired SELECT statement explicitly in the procedure code.</a:t>
-            </a:r>
-            <a:endParaRPr lang="pl-PL" sz="1600" i="1" dirty="0"/>
+            <a:endParaRPr lang="en-US" sz="1600" i="1" dirty="0"/>
           </a:p>
         </p:txBody>
       </p:sp>
@@ -4554,7 +4375,7 @@
     </p:spTree>
     <p:extLst>
       <p:ext uri="{BB962C8B-B14F-4D97-AF65-F5344CB8AC3E}">
-        <p14:creationId xmlns:p14="http://schemas.microsoft.com/office/powerpoint/2010/main" val="3357690723"/>
+        <p14:creationId xmlns:p14="http://schemas.microsoft.com/office/powerpoint/2010/main" val="2404602492"/>
       </p:ext>
     </p:extLst>
   </p:cSld>
@@ -4597,7 +4418,7 @@
         <p:spPr>
           <a:xfrm>
             <a:off x="489706" y="624631"/>
-            <a:ext cx="10374037" cy="4124206"/>
+            <a:ext cx="10374037" cy="5447645"/>
           </a:xfrm>
           <a:prstGeom prst="rect">
             <a:avLst/>
@@ -4612,139 +4433,195 @@
           <a:p>
             <a:r>
               <a:rPr lang="pl-PL" sz="2800" b="1" dirty="0" smtClean="0"/>
-              <a:t>Indexes</a:t>
+              <a:t>Natively compiled SPs – limitations #2</a:t>
             </a:r>
             <a:endParaRPr lang="en-US" sz="2800" b="1" dirty="0"/>
           </a:p>
           <a:p>
-            <a:endParaRPr lang="en-US" dirty="0"/>
-          </a:p>
-          <a:p>
-            <a:pPr lvl="1"/>
-            <a:r>
-              <a:rPr lang="en-US" dirty="0"/>
-              <a:t>A memory-optimized table can have up to </a:t>
-            </a:r>
-            <a:r>
-              <a:rPr lang="en-US" b="1" dirty="0"/>
-              <a:t>eight non-clustered indexes</a:t>
-            </a:r>
-            <a:r>
-              <a:rPr lang="en-US" dirty="0"/>
-              <a:t>, all of which are </a:t>
-            </a:r>
-            <a:r>
-              <a:rPr lang="en-US" b="1" dirty="0"/>
-              <a:t>covering indexes</a:t>
-            </a:r>
-            <a:r>
-              <a:rPr lang="en-US" dirty="0"/>
-              <a:t>. </a:t>
-            </a:r>
-            <a:endParaRPr lang="pl-PL" dirty="0" smtClean="0"/>
-          </a:p>
-          <a:p>
-            <a:pPr lvl="1"/>
-            <a:endParaRPr lang="pl-PL" dirty="0"/>
-          </a:p>
-          <a:p>
-            <a:pPr lvl="1"/>
-            <a:r>
-              <a:rPr lang="en-US" dirty="0" smtClean="0"/>
-              <a:t>Unlike </a:t>
-            </a:r>
-            <a:r>
-              <a:rPr lang="en-US" dirty="0"/>
-              <a:t>a traditional B-tree index for a disk-based table, an index for a memory-optimized table exists only in memory and does </a:t>
-            </a:r>
-            <a:r>
-              <a:rPr lang="en-US" dirty="0" smtClean="0"/>
-              <a:t>not</a:t>
-            </a:r>
-            <a:r>
-              <a:rPr lang="pl-PL" dirty="0" smtClean="0"/>
-              <a:t> </a:t>
-            </a:r>
-            <a:r>
-              <a:rPr lang="en-US" dirty="0" smtClean="0"/>
-              <a:t>contain </a:t>
-            </a:r>
-            <a:r>
-              <a:rPr lang="en-US" dirty="0"/>
-              <a:t>data. </a:t>
-            </a:r>
-            <a:r>
-              <a:rPr lang="en-US" dirty="0" smtClean="0"/>
-              <a:t>Instead</a:t>
-            </a:r>
-            <a:r>
-              <a:rPr lang="en-US" dirty="0"/>
-              <a:t>, an index points to a row in memory and is recreated during database recovery. </a:t>
-            </a:r>
-            <a:endParaRPr lang="pl-PL" dirty="0" smtClean="0"/>
-          </a:p>
-          <a:p>
-            <a:pPr lvl="1"/>
-            <a:endParaRPr lang="pl-PL" dirty="0"/>
-          </a:p>
-          <a:p>
-            <a:pPr lvl="1"/>
-            <a:r>
-              <a:rPr lang="en-US" dirty="0" smtClean="0"/>
-              <a:t>An </a:t>
-            </a:r>
-            <a:r>
-              <a:rPr lang="en-US" dirty="0"/>
-              <a:t>index for a memory-optimized table can be one of the following three types:</a:t>
-            </a:r>
-          </a:p>
-          <a:p>
-            <a:pPr marL="742950" lvl="1" indent="-285750">
-              <a:buFont typeface="Arial" panose="020B0604020202020204" pitchFamily="34" charset="0"/>
-              <a:buChar char="•"/>
-            </a:pPr>
-            <a:endParaRPr lang="pl-PL" dirty="0" smtClean="0"/>
-          </a:p>
-          <a:p>
-            <a:pPr marL="1200150" lvl="2" indent="-285750">
-              <a:buFont typeface="Arial" panose="020B0604020202020204" pitchFamily="34" charset="0"/>
-              <a:buChar char="•"/>
-            </a:pPr>
-            <a:r>
-              <a:rPr lang="en-US" dirty="0" smtClean="0"/>
-              <a:t>Hash </a:t>
-            </a:r>
-            <a:endParaRPr lang="pl-PL" dirty="0" smtClean="0"/>
-          </a:p>
-          <a:p>
-            <a:pPr marL="1200150" lvl="2" indent="-285750">
-              <a:buFont typeface="Arial" panose="020B0604020202020204" pitchFamily="34" charset="0"/>
-              <a:buChar char="•"/>
-            </a:pPr>
-            <a:r>
-              <a:rPr lang="en-US" dirty="0" err="1" smtClean="0"/>
-              <a:t>Columnstore</a:t>
-            </a:r>
-            <a:r>
-              <a:rPr lang="en-US" dirty="0" smtClean="0"/>
-              <a:t> </a:t>
-            </a:r>
-            <a:endParaRPr lang="pl-PL" dirty="0" smtClean="0"/>
-          </a:p>
-          <a:p>
-            <a:pPr marL="1200150" lvl="2" indent="-285750">
-              <a:buFont typeface="Arial" panose="020B0604020202020204" pitchFamily="34" charset="0"/>
-              <a:buChar char="•"/>
-            </a:pPr>
-            <a:r>
-              <a:rPr lang="en-US" dirty="0" err="1" smtClean="0"/>
-              <a:t>Nonclustered</a:t>
-            </a:r>
-            <a:r>
-              <a:rPr lang="en-US" dirty="0" smtClean="0"/>
-              <a:t> B-tree</a:t>
-            </a:r>
-            <a:endParaRPr lang="pl-PL" dirty="0"/>
+            <a:pPr lvl="1"/>
+            <a:endParaRPr lang="pl-PL" sz="1600" dirty="0"/>
+          </a:p>
+          <a:p>
+            <a:pPr lvl="1"/>
+            <a:r>
+              <a:rPr lang="en-US" sz="1600" b="1" dirty="0"/>
+              <a:t>PERCENT or WITH TIES in TOP </a:t>
+            </a:r>
+            <a:r>
+              <a:rPr lang="en-US" sz="1600" b="1" dirty="0" smtClean="0"/>
+              <a:t>clause</a:t>
+            </a:r>
+            <a:endParaRPr lang="en-US" sz="1600" b="1" dirty="0"/>
+          </a:p>
+          <a:p>
+            <a:pPr lvl="1"/>
+            <a:endParaRPr lang="pl-PL" sz="1600" b="1" dirty="0" smtClean="0"/>
+          </a:p>
+          <a:p>
+            <a:pPr lvl="1"/>
+            <a:r>
+              <a:rPr lang="en-US" sz="1600" b="1" dirty="0" smtClean="0"/>
+              <a:t>DISTINCT </a:t>
+            </a:r>
+            <a:r>
+              <a:rPr lang="en-US" sz="1600" b="1" dirty="0"/>
+              <a:t>with aggregate </a:t>
+            </a:r>
+            <a:r>
+              <a:rPr lang="en-US" sz="1600" b="1" dirty="0" smtClean="0"/>
+              <a:t>functions</a:t>
+            </a:r>
+            <a:endParaRPr lang="en-US" sz="1600" b="1" dirty="0"/>
+          </a:p>
+          <a:p>
+            <a:pPr lvl="1"/>
+            <a:endParaRPr lang="pl-PL" sz="1600" b="1" dirty="0" smtClean="0"/>
+          </a:p>
+          <a:p>
+            <a:pPr lvl="1"/>
+            <a:r>
+              <a:rPr lang="en-US" sz="1600" b="1" dirty="0" smtClean="0"/>
+              <a:t>INTERSECT</a:t>
+            </a:r>
+            <a:r>
+              <a:rPr lang="en-US" sz="1600" b="1" dirty="0"/>
+              <a:t>, EXCEPT, APPLY, PIVOT, UNPIVOT, LIKE, CONTAINS </a:t>
+            </a:r>
+            <a:endParaRPr lang="pl-PL" sz="1600" b="1" dirty="0" smtClean="0"/>
+          </a:p>
+          <a:p>
+            <a:pPr lvl="1"/>
+            <a:r>
+              <a:rPr lang="pl-PL" sz="1600" i="1" dirty="0" smtClean="0"/>
+              <a:t>	</a:t>
+            </a:r>
+            <a:r>
+              <a:rPr lang="en-US" sz="1600" i="1" dirty="0" smtClean="0"/>
+              <a:t>There </a:t>
+            </a:r>
+            <a:r>
+              <a:rPr lang="en-US" sz="1600" i="1" dirty="0"/>
+              <a:t>are no alternatives for using these operators in a natively compiled stored procedure.</a:t>
+            </a:r>
+          </a:p>
+          <a:p>
+            <a:pPr lvl="1"/>
+            <a:endParaRPr lang="pl-PL" sz="1600" dirty="0" smtClean="0"/>
+          </a:p>
+          <a:p>
+            <a:pPr lvl="1"/>
+            <a:r>
+              <a:rPr lang="en-US" sz="1600" b="1" dirty="0" smtClean="0"/>
+              <a:t>Common </a:t>
+            </a:r>
+            <a:r>
+              <a:rPr lang="en-US" sz="1600" b="1" dirty="0"/>
+              <a:t>table expressions (CTEs) </a:t>
+            </a:r>
+            <a:endParaRPr lang="pl-PL" sz="1600" b="1" dirty="0" smtClean="0"/>
+          </a:p>
+          <a:p>
+            <a:pPr lvl="2"/>
+            <a:r>
+              <a:rPr lang="en-US" sz="1600" i="1" dirty="0" smtClean="0"/>
+              <a:t>You </a:t>
+            </a:r>
+            <a:r>
+              <a:rPr lang="en-US" sz="1600" i="1" dirty="0"/>
+              <a:t>must rewrite your query to reproduce the functionality of a CTE in a natively compiled stored procedure</a:t>
+            </a:r>
+            <a:r>
+              <a:rPr lang="en-US" sz="1600" i="1" dirty="0" smtClean="0"/>
+              <a:t>.</a:t>
+            </a:r>
+            <a:endParaRPr lang="pl-PL" sz="1600" i="1" dirty="0" smtClean="0"/>
+          </a:p>
+          <a:p>
+            <a:pPr lvl="1"/>
+            <a:endParaRPr lang="en-US" sz="1600" dirty="0"/>
+          </a:p>
+          <a:p>
+            <a:pPr lvl="1"/>
+            <a:r>
+              <a:rPr lang="en-US" sz="1600" b="1" dirty="0"/>
+              <a:t>Multi-row INSERT statements </a:t>
+            </a:r>
+            <a:endParaRPr lang="pl-PL" sz="1600" b="1" dirty="0" smtClean="0"/>
+          </a:p>
+          <a:p>
+            <a:pPr lvl="1"/>
+            <a:r>
+              <a:rPr lang="pl-PL" sz="1600" i="1" dirty="0" smtClean="0"/>
+              <a:t>	</a:t>
+            </a:r>
+            <a:r>
+              <a:rPr lang="en-US" sz="1600" i="1" dirty="0" smtClean="0"/>
+              <a:t>You </a:t>
+            </a:r>
+            <a:r>
+              <a:rPr lang="en-US" sz="1600" i="1" dirty="0"/>
+              <a:t>must instead use separate INSERT statements in a natively compiled stored procedure</a:t>
+            </a:r>
+            <a:r>
+              <a:rPr lang="en-US" sz="1600" i="1" dirty="0" smtClean="0"/>
+              <a:t>.</a:t>
+            </a:r>
+            <a:endParaRPr lang="pl-PL" sz="1600" i="1" dirty="0" smtClean="0"/>
+          </a:p>
+          <a:p>
+            <a:pPr lvl="1"/>
+            <a:endParaRPr lang="en-US" sz="1600" dirty="0"/>
+          </a:p>
+          <a:p>
+            <a:pPr lvl="1"/>
+            <a:r>
+              <a:rPr lang="en-US" sz="1600" b="1" dirty="0"/>
+              <a:t>EXECUTE WITH RECOMPILE </a:t>
+            </a:r>
+            <a:endParaRPr lang="pl-PL" sz="1600" b="1" dirty="0" smtClean="0"/>
+          </a:p>
+          <a:p>
+            <a:pPr lvl="1"/>
+            <a:r>
+              <a:rPr lang="pl-PL" sz="1600" i="1" dirty="0" smtClean="0"/>
+              <a:t>	</a:t>
+            </a:r>
+            <a:r>
+              <a:rPr lang="en-US" sz="1600" i="1" dirty="0" smtClean="0"/>
+              <a:t>There </a:t>
+            </a:r>
+            <a:r>
+              <a:rPr lang="en-US" sz="1600" i="1" dirty="0"/>
+              <a:t>is no alternative for using this option in a natively compiled stored procedure</a:t>
+            </a:r>
+            <a:r>
+              <a:rPr lang="en-US" sz="1600" i="1" dirty="0" smtClean="0"/>
+              <a:t>.</a:t>
+            </a:r>
+            <a:endParaRPr lang="pl-PL" sz="1600" i="1" dirty="0" smtClean="0"/>
+          </a:p>
+          <a:p>
+            <a:pPr lvl="1"/>
+            <a:endParaRPr lang="en-US" sz="1600" dirty="0"/>
+          </a:p>
+          <a:p>
+            <a:pPr lvl="1"/>
+            <a:r>
+              <a:rPr lang="pl-PL" sz="1600" b="1" dirty="0" smtClean="0"/>
+              <a:t>VIEW</a:t>
+            </a:r>
+          </a:p>
+          <a:p>
+            <a:pPr lvl="2"/>
+            <a:r>
+              <a:rPr lang="en-US" sz="1600" i="1" dirty="0" smtClean="0"/>
+              <a:t>You </a:t>
+            </a:r>
+            <a:r>
+              <a:rPr lang="en-US" sz="1600" i="1" dirty="0"/>
+              <a:t>cannot reference a view in a natively compiled stored procedure. You must define your desired SELECT statement explicitly in the procedure code.</a:t>
+            </a:r>
+            <a:endParaRPr lang="pl-PL" sz="1600" i="1" dirty="0"/>
           </a:p>
         </p:txBody>
       </p:sp>
@@ -4779,7 +4656,7 @@
     </p:spTree>
     <p:extLst>
       <p:ext uri="{BB962C8B-B14F-4D97-AF65-F5344CB8AC3E}">
-        <p14:creationId xmlns:p14="http://schemas.microsoft.com/office/powerpoint/2010/main" val="2874028385"/>
+        <p14:creationId xmlns:p14="http://schemas.microsoft.com/office/powerpoint/2010/main" val="3357690723"/>
       </p:ext>
     </p:extLst>
   </p:cSld>
@@ -4822,7 +4699,7 @@
         <p:spPr>
           <a:xfrm>
             <a:off x="489706" y="624631"/>
-            <a:ext cx="10374037" cy="4493538"/>
+            <a:ext cx="10374037" cy="4124206"/>
           </a:xfrm>
           <a:prstGeom prst="rect">
             <a:avLst/>
@@ -4847,152 +4724,129 @@
           <a:p>
             <a:pPr lvl="1"/>
             <a:r>
-              <a:rPr lang="en-US" sz="1600" b="1" dirty="0" smtClean="0"/>
-              <a:t>Hash</a:t>
-            </a:r>
-            <a:r>
-              <a:rPr lang="en-US" sz="1600" dirty="0" smtClean="0"/>
+              <a:rPr lang="en-US" dirty="0"/>
+              <a:t>A memory-optimized table can have up to </a:t>
+            </a:r>
+            <a:r>
+              <a:rPr lang="en-US" b="1" dirty="0"/>
+              <a:t>eight non-clustered indexes</a:t>
+            </a:r>
+            <a:r>
+              <a:rPr lang="en-US" dirty="0"/>
+              <a:t>, all of which are </a:t>
+            </a:r>
+            <a:r>
+              <a:rPr lang="en-US" b="1" dirty="0"/>
+              <a:t>covering indexes</a:t>
+            </a:r>
+            <a:r>
+              <a:rPr lang="en-US" dirty="0"/>
+              <a:t>. </a:t>
+            </a:r>
+            <a:endParaRPr lang="pl-PL" dirty="0" smtClean="0"/>
+          </a:p>
+          <a:p>
+            <a:pPr lvl="1"/>
+            <a:endParaRPr lang="pl-PL" dirty="0"/>
+          </a:p>
+          <a:p>
+            <a:pPr lvl="1"/>
+            <a:r>
+              <a:rPr lang="en-US" dirty="0" smtClean="0"/>
+              <a:t>Unlike </a:t>
+            </a:r>
+            <a:r>
+              <a:rPr lang="en-US" dirty="0"/>
+              <a:t>a traditional B-tree index for a disk-based table, an index for a memory-optimized table exists only in memory and does </a:t>
+            </a:r>
+            <a:r>
+              <a:rPr lang="en-US" dirty="0" smtClean="0"/>
+              <a:t>not</a:t>
+            </a:r>
+            <a:r>
+              <a:rPr lang="pl-PL" dirty="0" smtClean="0"/>
               <a:t> </a:t>
             </a:r>
-            <a:endParaRPr lang="pl-PL" sz="1600" dirty="0" smtClean="0"/>
-          </a:p>
-          <a:p>
-            <a:pPr lvl="2"/>
-            <a:r>
-              <a:rPr lang="en-US" sz="1600" i="1" dirty="0" smtClean="0"/>
-              <a:t>You </a:t>
-            </a:r>
-            <a:r>
-              <a:rPr lang="en-US" sz="1600" i="1" dirty="0"/>
-              <a:t>use a </a:t>
-            </a:r>
-            <a:r>
-              <a:rPr lang="en-US" sz="1600" i="1" dirty="0" err="1"/>
-              <a:t>nonclustered</a:t>
-            </a:r>
-            <a:r>
-              <a:rPr lang="en-US" sz="1600" i="1" dirty="0"/>
-              <a:t> hash index when you have </a:t>
-            </a:r>
-            <a:r>
-              <a:rPr lang="en-US" sz="1600" b="1" i="1" dirty="0"/>
-              <a:t>many queries that perform point lookups</a:t>
-            </a:r>
-            <a:r>
-              <a:rPr lang="en-US" sz="1600" i="1" dirty="0"/>
-              <a:t>, also known as </a:t>
-            </a:r>
-            <a:r>
-              <a:rPr lang="en-US" sz="1600" i="1" dirty="0" err="1"/>
-              <a:t>equi</a:t>
-            </a:r>
-            <a:r>
-              <a:rPr lang="en-US" sz="1600" i="1" dirty="0"/>
-              <a:t>-joins. When you specify the index type, as shown below, you must include a </a:t>
-            </a:r>
-            <a:r>
-              <a:rPr lang="en-US" sz="1600" b="1" i="1" dirty="0"/>
-              <a:t>bucket count</a:t>
-            </a:r>
-            <a:r>
-              <a:rPr lang="en-US" sz="1600" i="1" dirty="0"/>
-              <a:t>. The bucket count value should be between one to two times the expected number of distinct values in the indexed column.</a:t>
-            </a:r>
-          </a:p>
-          <a:p>
-            <a:pPr lvl="1"/>
-            <a:endParaRPr lang="en-US" sz="1600" dirty="0"/>
-          </a:p>
-          <a:p>
-            <a:pPr lvl="1"/>
-            <a:r>
-              <a:rPr lang="en-US" sz="1600" b="1" dirty="0" err="1"/>
+            <a:r>
+              <a:rPr lang="en-US" dirty="0" smtClean="0"/>
+              <a:t>contain </a:t>
+            </a:r>
+            <a:r>
+              <a:rPr lang="en-US" dirty="0"/>
+              <a:t>data. </a:t>
+            </a:r>
+            <a:r>
+              <a:rPr lang="en-US" dirty="0" smtClean="0"/>
+              <a:t>Instead</a:t>
+            </a:r>
+            <a:r>
+              <a:rPr lang="en-US" dirty="0"/>
+              <a:t>, an index points to a row in memory and is recreated during database recovery. </a:t>
+            </a:r>
+            <a:endParaRPr lang="pl-PL" dirty="0" smtClean="0"/>
+          </a:p>
+          <a:p>
+            <a:pPr lvl="1"/>
+            <a:endParaRPr lang="pl-PL" dirty="0"/>
+          </a:p>
+          <a:p>
+            <a:pPr lvl="1"/>
+            <a:r>
+              <a:rPr lang="en-US" dirty="0" smtClean="0"/>
+              <a:t>An </a:t>
+            </a:r>
+            <a:r>
+              <a:rPr lang="en-US" dirty="0"/>
+              <a:t>index for a memory-optimized table can be one of the following three types:</a:t>
+            </a:r>
+          </a:p>
+          <a:p>
+            <a:pPr marL="742950" lvl="1" indent="-285750">
+              <a:buFont typeface="Arial" panose="020B0604020202020204" pitchFamily="34" charset="0"/>
+              <a:buChar char="•"/>
+            </a:pPr>
+            <a:endParaRPr lang="pl-PL" dirty="0" smtClean="0"/>
+          </a:p>
+          <a:p>
+            <a:pPr marL="1200150" lvl="2" indent="-285750">
+              <a:buFont typeface="Arial" panose="020B0604020202020204" pitchFamily="34" charset="0"/>
+              <a:buChar char="•"/>
+            </a:pPr>
+            <a:r>
+              <a:rPr lang="en-US" dirty="0" smtClean="0"/>
+              <a:t>Hash </a:t>
+            </a:r>
+            <a:endParaRPr lang="pl-PL" dirty="0" smtClean="0"/>
+          </a:p>
+          <a:p>
+            <a:pPr marL="1200150" lvl="2" indent="-285750">
+              <a:buFont typeface="Arial" panose="020B0604020202020204" pitchFamily="34" charset="0"/>
+              <a:buChar char="•"/>
+            </a:pPr>
+            <a:r>
+              <a:rPr lang="en-US" dirty="0" err="1" smtClean="0"/>
               <a:t>Columnstore</a:t>
             </a:r>
             <a:r>
-              <a:rPr lang="en-US" sz="1600" dirty="0"/>
+              <a:rPr lang="en-US" dirty="0" smtClean="0"/>
               <a:t> </a:t>
             </a:r>
-            <a:endParaRPr lang="pl-PL" sz="1600" dirty="0" smtClean="0"/>
-          </a:p>
-          <a:p>
-            <a:pPr lvl="2"/>
-            <a:r>
-              <a:rPr lang="en-US" sz="1600" i="1" dirty="0" smtClean="0"/>
-              <a:t>A </a:t>
-            </a:r>
-            <a:r>
-              <a:rPr lang="en-US" sz="1600" i="1" dirty="0"/>
-              <a:t>new feature in SQL Server 2016 is the ability to add a </a:t>
-            </a:r>
-            <a:r>
-              <a:rPr lang="en-US" sz="1600" i="1" dirty="0" err="1"/>
-              <a:t>columnstore</a:t>
-            </a:r>
-            <a:r>
-              <a:rPr lang="en-US" sz="1600" i="1" dirty="0"/>
-              <a:t> index to a memory-optimized table. This type of index is best when </a:t>
-            </a:r>
-            <a:r>
-              <a:rPr lang="en-US" sz="1600" b="1" i="1" dirty="0"/>
-              <a:t>your queries perform large scans of a table</a:t>
-            </a:r>
-            <a:r>
-              <a:rPr lang="en-US" sz="1600" i="1" dirty="0"/>
-              <a:t>. Rather than read data row by row, it can process chunks of data in batches and thereby reduce query execution time and CPU utilization. Consider this type of index for single-threaded queries, sort operations (such as ORDER BY), and T-SQL window functions.</a:t>
-            </a:r>
-          </a:p>
-          <a:p>
-            <a:pPr lvl="1"/>
-            <a:endParaRPr lang="en-US" sz="1600" dirty="0"/>
-          </a:p>
-          <a:p>
-            <a:pPr lvl="1"/>
-            <a:r>
-              <a:rPr lang="en-US" sz="1600" b="1" dirty="0" err="1"/>
+            <a:endParaRPr lang="pl-PL" dirty="0" smtClean="0"/>
+          </a:p>
+          <a:p>
+            <a:pPr marL="1200150" lvl="2" indent="-285750">
+              <a:buFont typeface="Arial" panose="020B0604020202020204" pitchFamily="34" charset="0"/>
+              <a:buChar char="•"/>
+            </a:pPr>
+            <a:r>
+              <a:rPr lang="en-US" dirty="0" err="1" smtClean="0"/>
               <a:t>Nonclustered</a:t>
             </a:r>
             <a:r>
-              <a:rPr lang="en-US" sz="1600" b="1" dirty="0"/>
-              <a:t> B-tree </a:t>
-            </a:r>
-            <a:endParaRPr lang="pl-PL" sz="1600" b="1" dirty="0" smtClean="0"/>
-          </a:p>
-          <a:p>
-            <a:pPr lvl="2"/>
-            <a:r>
-              <a:rPr lang="en-US" sz="1600" i="1" dirty="0" smtClean="0"/>
-              <a:t>You </a:t>
-            </a:r>
-            <a:r>
-              <a:rPr lang="en-US" sz="1600" i="1" dirty="0"/>
-              <a:t>use a memory-optimized </a:t>
-            </a:r>
-            <a:r>
-              <a:rPr lang="en-US" sz="1600" i="1" dirty="0" smtClean="0"/>
-              <a:t>non</a:t>
-            </a:r>
-            <a:r>
-              <a:rPr lang="pl-PL" sz="1600" i="1" dirty="0" smtClean="0"/>
-              <a:t>-</a:t>
-            </a:r>
-            <a:r>
-              <a:rPr lang="en-US" sz="1600" i="1" dirty="0" smtClean="0"/>
-              <a:t>clustered </a:t>
-            </a:r>
-            <a:r>
-              <a:rPr lang="en-US" sz="1600" i="1" dirty="0"/>
-              <a:t>B-tree index when your queries have an ORDER BY clause on an indexed column, or when your queries return a few records by performing </a:t>
-            </a:r>
-            <a:r>
-              <a:rPr lang="en-US" sz="1600" b="1" i="1" dirty="0"/>
-              <a:t>range selections against an index column</a:t>
-            </a:r>
-            <a:r>
-              <a:rPr lang="en-US" sz="1600" i="1" dirty="0"/>
-              <a:t> using the greater than (&gt;) or less than (&lt;) operators, or testing an indexed column for inequality.</a:t>
-            </a:r>
-            <a:endParaRPr lang="pl-PL" sz="1600" i="1" dirty="0"/>
+              <a:rPr lang="en-US" dirty="0" smtClean="0"/>
+              <a:t> B-tree</a:t>
+            </a:r>
+            <a:endParaRPr lang="pl-PL" dirty="0"/>
           </a:p>
         </p:txBody>
       </p:sp>
@@ -5027,7 +4881,7 @@
     </p:spTree>
     <p:extLst>
       <p:ext uri="{BB962C8B-B14F-4D97-AF65-F5344CB8AC3E}">
-        <p14:creationId xmlns:p14="http://schemas.microsoft.com/office/powerpoint/2010/main" val="1644954870"/>
+        <p14:creationId xmlns:p14="http://schemas.microsoft.com/office/powerpoint/2010/main" val="2874028385"/>
       </p:ext>
     </p:extLst>
   </p:cSld>
@@ -5070,7 +4924,7 @@
         <p:spPr>
           <a:xfrm>
             <a:off x="489706" y="624631"/>
-            <a:ext cx="10374037" cy="1477328"/>
+            <a:ext cx="10374037" cy="4493538"/>
           </a:xfrm>
           <a:prstGeom prst="rect">
             <a:avLst/>
@@ -5085,12 +4939,851 @@
           <a:p>
             <a:r>
               <a:rPr lang="pl-PL" sz="2800" b="1" dirty="0" smtClean="0"/>
+              <a:t>Indexes</a:t>
+            </a:r>
+            <a:endParaRPr lang="en-US" sz="2800" b="1" dirty="0"/>
+          </a:p>
+          <a:p>
+            <a:endParaRPr lang="en-US" dirty="0"/>
+          </a:p>
+          <a:p>
+            <a:pPr lvl="1"/>
+            <a:r>
+              <a:rPr lang="en-US" sz="1600" b="1" dirty="0" smtClean="0"/>
+              <a:t>Hash</a:t>
+            </a:r>
+            <a:r>
+              <a:rPr lang="en-US" sz="1600" dirty="0" smtClean="0"/>
+              <a:t> </a:t>
+            </a:r>
+            <a:endParaRPr lang="pl-PL" sz="1600" dirty="0" smtClean="0"/>
+          </a:p>
+          <a:p>
+            <a:pPr lvl="2"/>
+            <a:r>
+              <a:rPr lang="en-US" sz="1600" i="1" dirty="0" smtClean="0"/>
+              <a:t>You </a:t>
+            </a:r>
+            <a:r>
+              <a:rPr lang="en-US" sz="1600" i="1" dirty="0"/>
+              <a:t>use a </a:t>
+            </a:r>
+            <a:r>
+              <a:rPr lang="en-US" sz="1600" i="1" dirty="0" err="1"/>
+              <a:t>nonclustered</a:t>
+            </a:r>
+            <a:r>
+              <a:rPr lang="en-US" sz="1600" i="1" dirty="0"/>
+              <a:t> hash index when you have </a:t>
+            </a:r>
+            <a:r>
+              <a:rPr lang="en-US" sz="1600" b="1" i="1" dirty="0"/>
+              <a:t>many queries that perform point lookups</a:t>
+            </a:r>
+            <a:r>
+              <a:rPr lang="en-US" sz="1600" i="1" dirty="0"/>
+              <a:t>, also known as </a:t>
+            </a:r>
+            <a:r>
+              <a:rPr lang="en-US" sz="1600" i="1" dirty="0" err="1"/>
+              <a:t>equi</a:t>
+            </a:r>
+            <a:r>
+              <a:rPr lang="en-US" sz="1600" i="1" dirty="0"/>
+              <a:t>-joins. When you specify the index type, as shown below, you must include a </a:t>
+            </a:r>
+            <a:r>
+              <a:rPr lang="en-US" sz="1600" b="1" i="1" dirty="0"/>
+              <a:t>bucket count</a:t>
+            </a:r>
+            <a:r>
+              <a:rPr lang="en-US" sz="1600" i="1" dirty="0"/>
+              <a:t>. The bucket count value should be between one to two times the expected number of distinct values in the indexed column.</a:t>
+            </a:r>
+          </a:p>
+          <a:p>
+            <a:pPr lvl="1"/>
+            <a:endParaRPr lang="en-US" sz="1600" dirty="0"/>
+          </a:p>
+          <a:p>
+            <a:pPr lvl="1"/>
+            <a:r>
+              <a:rPr lang="en-US" sz="1600" b="1" dirty="0" err="1"/>
+              <a:t>Columnstore</a:t>
+            </a:r>
+            <a:r>
+              <a:rPr lang="en-US" sz="1600" dirty="0"/>
+              <a:t> </a:t>
+            </a:r>
+            <a:endParaRPr lang="pl-PL" sz="1600" dirty="0" smtClean="0"/>
+          </a:p>
+          <a:p>
+            <a:pPr lvl="2"/>
+            <a:r>
+              <a:rPr lang="en-US" sz="1600" i="1" dirty="0" smtClean="0"/>
+              <a:t>A </a:t>
+            </a:r>
+            <a:r>
+              <a:rPr lang="en-US" sz="1600" i="1" dirty="0"/>
+              <a:t>new feature in SQL Server 2016 is the ability to add a </a:t>
+            </a:r>
+            <a:r>
+              <a:rPr lang="en-US" sz="1600" i="1" dirty="0" err="1"/>
+              <a:t>columnstore</a:t>
+            </a:r>
+            <a:r>
+              <a:rPr lang="en-US" sz="1600" i="1" dirty="0"/>
+              <a:t> index to a memory-optimized table. This type of index is best when </a:t>
+            </a:r>
+            <a:r>
+              <a:rPr lang="en-US" sz="1600" b="1" i="1" dirty="0"/>
+              <a:t>your queries perform large scans of a table</a:t>
+            </a:r>
+            <a:r>
+              <a:rPr lang="en-US" sz="1600" i="1" dirty="0"/>
+              <a:t>. Rather than read data row by row, it can process chunks of data in batches and thereby reduce query execution time and CPU utilization. Consider this type of index for single-threaded queries, sort operations (such as ORDER BY), and T-SQL window functions.</a:t>
+            </a:r>
+          </a:p>
+          <a:p>
+            <a:pPr lvl="1"/>
+            <a:endParaRPr lang="en-US" sz="1600" dirty="0"/>
+          </a:p>
+          <a:p>
+            <a:pPr lvl="1"/>
+            <a:r>
+              <a:rPr lang="en-US" sz="1600" b="1" dirty="0" err="1"/>
+              <a:t>Nonclustered</a:t>
+            </a:r>
+            <a:r>
+              <a:rPr lang="en-US" sz="1600" b="1" dirty="0"/>
+              <a:t> B-tree </a:t>
+            </a:r>
+            <a:endParaRPr lang="pl-PL" sz="1600" b="1" dirty="0" smtClean="0"/>
+          </a:p>
+          <a:p>
+            <a:pPr lvl="2"/>
+            <a:r>
+              <a:rPr lang="en-US" sz="1600" i="1" dirty="0" smtClean="0"/>
+              <a:t>You </a:t>
+            </a:r>
+            <a:r>
+              <a:rPr lang="en-US" sz="1600" i="1" dirty="0"/>
+              <a:t>use a memory-optimized </a:t>
+            </a:r>
+            <a:r>
+              <a:rPr lang="en-US" sz="1600" i="1" dirty="0" smtClean="0"/>
+              <a:t>non</a:t>
+            </a:r>
+            <a:r>
+              <a:rPr lang="pl-PL" sz="1600" i="1" dirty="0" smtClean="0"/>
+              <a:t>-</a:t>
+            </a:r>
+            <a:r>
+              <a:rPr lang="en-US" sz="1600" i="1" dirty="0" smtClean="0"/>
+              <a:t>clustered </a:t>
+            </a:r>
+            <a:r>
+              <a:rPr lang="en-US" sz="1600" i="1" dirty="0"/>
+              <a:t>B-tree index when your queries have an ORDER BY clause on an indexed column, or when your queries return a few records by performing </a:t>
+            </a:r>
+            <a:r>
+              <a:rPr lang="en-US" sz="1600" b="1" i="1" dirty="0"/>
+              <a:t>range selections against an index column</a:t>
+            </a:r>
+            <a:r>
+              <a:rPr lang="en-US" sz="1600" i="1" dirty="0"/>
+              <a:t> using the greater than (&gt;) or less than (&lt;) operators, or testing an indexed column for inequality.</a:t>
+            </a:r>
+            <a:endParaRPr lang="pl-PL" sz="1600" i="1" dirty="0"/>
+          </a:p>
+        </p:txBody>
+      </p:sp>
+      <p:sp>
+        <p:nvSpPr>
+          <p:cNvPr id="12" name="Symbol zastępczy stopki 11"/>
+          <p:cNvSpPr>
+            <a:spLocks noGrp="1"/>
+          </p:cNvSpPr>
+          <p:nvPr>
+            <p:ph type="ftr" sz="quarter" idx="11"/>
+          </p:nvPr>
+        </p:nvSpPr>
+        <p:spPr>
+          <a:xfrm>
+            <a:off x="3869268" y="6356350"/>
+            <a:ext cx="5911517" cy="365125"/>
+          </a:xfrm>
+        </p:spPr>
+        <p:txBody>
+          <a:bodyPr/>
+          <a:lstStyle/>
+          <a:p>
+            <a:r>
+              <a:rPr lang="en-US" smtClean="0"/>
+              <a:t>Developing SQL Databases</a:t>
+            </a:r>
+            <a:endParaRPr lang="pl-PL" dirty="0"/>
+          </a:p>
+        </p:txBody>
+      </p:sp>
+    </p:spTree>
+    <p:extLst>
+      <p:ext uri="{BB962C8B-B14F-4D97-AF65-F5344CB8AC3E}">
+        <p14:creationId xmlns:p14="http://schemas.microsoft.com/office/powerpoint/2010/main" val="1644954870"/>
+      </p:ext>
+    </p:extLst>
+  </p:cSld>
+  <p:clrMapOvr>
+    <a:masterClrMapping/>
+  </p:clrMapOvr>
+  <p:timing>
+    <p:tnLst>
+      <p:par>
+        <p:cTn id="1" dur="indefinite" restart="never" nodeType="tmRoot"/>
+      </p:par>
+    </p:tnLst>
+  </p:timing>
+</p:sld>
+</file>
+
+<file path=ppt/slides/slide15.xml><?xml version="1.0" encoding="utf-8"?>
+<p:sld xmlns:a="http://schemas.openxmlformats.org/drawingml/2006/main" xmlns:r="http://schemas.openxmlformats.org/officeDocument/2006/relationships" xmlns:p="http://schemas.openxmlformats.org/presentationml/2006/main">
+  <p:cSld>
+    <p:spTree>
+      <p:nvGrpSpPr>
+        <p:cNvPr id="1" name=""/>
+        <p:cNvGrpSpPr/>
+        <p:nvPr/>
+      </p:nvGrpSpPr>
+      <p:grpSpPr>
+        <a:xfrm>
+          <a:off x="0" y="0"/>
+          <a:ext cx="0" cy="0"/>
+          <a:chOff x="0" y="0"/>
+          <a:chExt cx="0" cy="0"/>
+        </a:xfrm>
+      </p:grpSpPr>
+      <p:sp>
+        <p:nvSpPr>
+          <p:cNvPr id="9" name="pole tekstowe 8"/>
+          <p:cNvSpPr txBox="1"/>
+          <p:nvPr/>
+        </p:nvSpPr>
+        <p:spPr>
+          <a:xfrm>
+            <a:off x="489706" y="624631"/>
+            <a:ext cx="10374037" cy="5478423"/>
+          </a:xfrm>
+          <a:prstGeom prst="rect">
+            <a:avLst/>
+          </a:prstGeom>
+          <a:noFill/>
+        </p:spPr>
+        <p:txBody>
+          <a:bodyPr wrap="square" rtlCol="0">
+            <a:spAutoFit/>
+          </a:bodyPr>
+          <a:lstStyle/>
+          <a:p>
+            <a:r>
+              <a:rPr lang="pl-PL" sz="2800" b="1" dirty="0"/>
+              <a:t>Usage Scenarios </a:t>
+            </a:r>
+            <a:r>
+              <a:rPr lang="pl-PL" sz="2800" b="1" dirty="0" smtClean="0"/>
+              <a:t>(Native SPs)</a:t>
+            </a:r>
+            <a:endParaRPr lang="en-US" sz="2800" b="1" dirty="0"/>
+          </a:p>
+          <a:p>
+            <a:endParaRPr lang="en-US" dirty="0"/>
+          </a:p>
+          <a:p>
+            <a:pPr lvl="1"/>
+            <a:r>
+              <a:rPr lang="en-US" sz="1600" dirty="0"/>
+              <a:t>In SQL Server 2016, you can use natively compiled stored procedures to get better </a:t>
+            </a:r>
+            <a:r>
+              <a:rPr lang="en-US" sz="1600" dirty="0" smtClean="0"/>
+              <a:t>performance</a:t>
+            </a:r>
+            <a:r>
+              <a:rPr lang="pl-PL" sz="1600" dirty="0" smtClean="0"/>
+              <a:t> </a:t>
+            </a:r>
+            <a:r>
+              <a:rPr lang="en-US" sz="1600" dirty="0" smtClean="0"/>
+              <a:t>when </a:t>
+            </a:r>
+            <a:r>
+              <a:rPr lang="en-US" sz="1600" dirty="0"/>
+              <a:t>operating on memory-optimized tables. </a:t>
+            </a:r>
+            <a:endParaRPr lang="pl-PL" sz="1600" dirty="0" smtClean="0"/>
+          </a:p>
+          <a:p>
+            <a:pPr lvl="1"/>
+            <a:endParaRPr lang="pl-PL" sz="1600" dirty="0"/>
+          </a:p>
+          <a:p>
+            <a:pPr lvl="1"/>
+            <a:r>
+              <a:rPr lang="en-US" sz="1600" dirty="0" smtClean="0"/>
+              <a:t>You </a:t>
+            </a:r>
+            <a:r>
+              <a:rPr lang="en-US" sz="1600" dirty="0"/>
+              <a:t>use them for:</a:t>
+            </a:r>
+          </a:p>
+          <a:p>
+            <a:pPr marL="1257300" lvl="2" indent="-342900">
+              <a:buFont typeface="+mj-lt"/>
+              <a:buAutoNum type="arabicPeriod"/>
+            </a:pPr>
+            <a:r>
+              <a:rPr lang="en-US" sz="1600" dirty="0" smtClean="0"/>
+              <a:t>Applications </a:t>
+            </a:r>
+            <a:r>
+              <a:rPr lang="en-US" sz="1600" dirty="0"/>
+              <a:t>for which obtaining the best possible performance is a requirement</a:t>
+            </a:r>
+          </a:p>
+          <a:p>
+            <a:pPr marL="1257300" lvl="2" indent="-342900">
+              <a:buFont typeface="+mj-lt"/>
+              <a:buAutoNum type="arabicPeriod"/>
+            </a:pPr>
+            <a:r>
+              <a:rPr lang="en-US" sz="1600" dirty="0" smtClean="0"/>
+              <a:t>Queries </a:t>
+            </a:r>
+            <a:r>
+              <a:rPr lang="en-US" sz="1600" dirty="0"/>
+              <a:t>that execute frequently</a:t>
+            </a:r>
+          </a:p>
+          <a:p>
+            <a:pPr marL="1257300" lvl="2" indent="-342900">
+              <a:buFont typeface="+mj-lt"/>
+              <a:buAutoNum type="arabicPeriod"/>
+            </a:pPr>
+            <a:r>
+              <a:rPr lang="en-US" sz="1600" dirty="0" smtClean="0"/>
+              <a:t>Tasks </a:t>
+            </a:r>
+            <a:r>
+              <a:rPr lang="en-US" sz="1600" dirty="0"/>
+              <a:t>that must perform as fast as </a:t>
+            </a:r>
+            <a:r>
+              <a:rPr lang="en-US" sz="1600" dirty="0" smtClean="0"/>
+              <a:t>possible</a:t>
+            </a:r>
+            <a:endParaRPr lang="pl-PL" sz="1600" dirty="0" smtClean="0"/>
+          </a:p>
+          <a:p>
+            <a:pPr marL="1257300" lvl="2" indent="-342900">
+              <a:buFont typeface="+mj-lt"/>
+              <a:buAutoNum type="arabicPeriod"/>
+            </a:pPr>
+            <a:endParaRPr lang="en-US" sz="1600" dirty="0"/>
+          </a:p>
+          <a:p>
+            <a:pPr lvl="1"/>
+            <a:r>
+              <a:rPr lang="en-US" sz="1600" dirty="0"/>
+              <a:t>If you have a lot of rows to process and a lot of logic to apply, the natively compiled </a:t>
+            </a:r>
+            <a:r>
+              <a:rPr lang="en-US" sz="1600" dirty="0" smtClean="0"/>
+              <a:t>stored</a:t>
+            </a:r>
+            <a:r>
+              <a:rPr lang="pl-PL" sz="1600" dirty="0" smtClean="0"/>
+              <a:t> </a:t>
+            </a:r>
+            <a:r>
+              <a:rPr lang="en-US" sz="1600" dirty="0" smtClean="0"/>
+              <a:t>procedure </a:t>
+            </a:r>
+            <a:r>
+              <a:rPr lang="en-US" sz="1600" dirty="0"/>
+              <a:t>performs faster than an interpreted stored procedure. </a:t>
+            </a:r>
+            <a:endParaRPr lang="pl-PL" sz="1600" dirty="0" smtClean="0"/>
+          </a:p>
+          <a:p>
+            <a:pPr lvl="1"/>
+            <a:endParaRPr lang="pl-PL" sz="1600" dirty="0"/>
+          </a:p>
+          <a:p>
+            <a:pPr lvl="1"/>
+            <a:r>
+              <a:rPr lang="en-US" sz="1600" dirty="0" smtClean="0"/>
+              <a:t>It </a:t>
+            </a:r>
+            <a:r>
+              <a:rPr lang="en-US" sz="1600" dirty="0"/>
+              <a:t>is also good when </a:t>
+            </a:r>
+            <a:r>
+              <a:rPr lang="en-US" sz="1600" dirty="0" smtClean="0"/>
+              <a:t>you</a:t>
+            </a:r>
+            <a:r>
+              <a:rPr lang="pl-PL" sz="1600" dirty="0" smtClean="0"/>
+              <a:t> </a:t>
+            </a:r>
+            <a:r>
+              <a:rPr lang="en-US" sz="1600" dirty="0" smtClean="0"/>
+              <a:t>need </a:t>
+            </a:r>
+            <a:r>
+              <a:rPr lang="en-US" sz="1600" dirty="0"/>
+              <a:t>to perform any of the following tasks:</a:t>
+            </a:r>
+          </a:p>
+          <a:p>
+            <a:pPr marL="1257300" lvl="2" indent="-342900">
+              <a:buFont typeface="+mj-lt"/>
+              <a:buAutoNum type="arabicPeriod"/>
+            </a:pPr>
+            <a:r>
+              <a:rPr lang="en-US" sz="1600" dirty="0" smtClean="0"/>
+              <a:t>Aggregation</a:t>
+            </a:r>
+            <a:endParaRPr lang="en-US" sz="1600" dirty="0"/>
+          </a:p>
+          <a:p>
+            <a:pPr marL="1257300" lvl="2" indent="-342900">
+              <a:buFont typeface="+mj-lt"/>
+              <a:buAutoNum type="arabicPeriod"/>
+            </a:pPr>
+            <a:r>
+              <a:rPr lang="en-US" sz="1600" dirty="0" smtClean="0"/>
+              <a:t>Nested </a:t>
+            </a:r>
+            <a:r>
+              <a:rPr lang="en-US" sz="1600" dirty="0"/>
+              <a:t>loop join</a:t>
+            </a:r>
+          </a:p>
+          <a:p>
+            <a:pPr marL="1257300" lvl="2" indent="-342900">
+              <a:buFont typeface="+mj-lt"/>
+              <a:buAutoNum type="arabicPeriod"/>
+            </a:pPr>
+            <a:r>
+              <a:rPr lang="en-US" sz="1600" dirty="0" smtClean="0"/>
+              <a:t>Multi-statement </a:t>
+            </a:r>
+            <a:r>
+              <a:rPr lang="en-US" sz="1600" dirty="0"/>
+              <a:t>SELECT, INSERT, UPDATE, or DELETE operations</a:t>
+            </a:r>
+          </a:p>
+          <a:p>
+            <a:pPr marL="1257300" lvl="2" indent="-342900">
+              <a:buFont typeface="+mj-lt"/>
+              <a:buAutoNum type="arabicPeriod"/>
+            </a:pPr>
+            <a:r>
+              <a:rPr lang="en-US" sz="1600" dirty="0" smtClean="0"/>
+              <a:t>Complex </a:t>
+            </a:r>
+            <a:r>
+              <a:rPr lang="en-US" sz="1600" dirty="0"/>
+              <a:t>expressions</a:t>
+            </a:r>
+          </a:p>
+          <a:p>
+            <a:pPr marL="1257300" lvl="2" indent="-342900">
+              <a:buFont typeface="+mj-lt"/>
+              <a:buAutoNum type="arabicPeriod"/>
+            </a:pPr>
+            <a:r>
+              <a:rPr lang="en-US" sz="1600" dirty="0" smtClean="0"/>
+              <a:t>Procedural </a:t>
+            </a:r>
+            <a:r>
+              <a:rPr lang="en-US" sz="1600" dirty="0"/>
+              <a:t>logic, such as conditional statements and </a:t>
+            </a:r>
+            <a:r>
+              <a:rPr lang="en-US" sz="1600" dirty="0" smtClean="0"/>
+              <a:t>loops</a:t>
+            </a:r>
+            <a:endParaRPr lang="pl-PL" sz="1600" dirty="0" smtClean="0"/>
+          </a:p>
+          <a:p>
+            <a:pPr marL="1257300" lvl="2" indent="-342900">
+              <a:buFont typeface="+mj-lt"/>
+              <a:buAutoNum type="arabicPeriod"/>
+            </a:pPr>
+            <a:endParaRPr lang="en-US" sz="1600" dirty="0"/>
+          </a:p>
+          <a:p>
+            <a:pPr lvl="1"/>
+            <a:r>
+              <a:rPr lang="en-US" sz="1600" dirty="0"/>
+              <a:t>It is not typically the best option when you need to process only a single row.</a:t>
+            </a:r>
+            <a:endParaRPr lang="pl-PL" sz="1600" i="1" dirty="0"/>
+          </a:p>
+        </p:txBody>
+      </p:sp>
+      <p:sp>
+        <p:nvSpPr>
+          <p:cNvPr id="12" name="Symbol zastępczy stopki 11"/>
+          <p:cNvSpPr>
+            <a:spLocks noGrp="1"/>
+          </p:cNvSpPr>
+          <p:nvPr>
+            <p:ph type="ftr" sz="quarter" idx="11"/>
+          </p:nvPr>
+        </p:nvSpPr>
+        <p:spPr>
+          <a:xfrm>
+            <a:off x="3869268" y="6356350"/>
+            <a:ext cx="5911517" cy="365125"/>
+          </a:xfrm>
+        </p:spPr>
+        <p:txBody>
+          <a:bodyPr/>
+          <a:lstStyle/>
+          <a:p>
+            <a:r>
+              <a:rPr lang="en-US" smtClean="0"/>
+              <a:t>Developing SQL Databases</a:t>
+            </a:r>
+            <a:endParaRPr lang="pl-PL" dirty="0"/>
+          </a:p>
+        </p:txBody>
+      </p:sp>
+    </p:spTree>
+    <p:extLst>
+      <p:ext uri="{BB962C8B-B14F-4D97-AF65-F5344CB8AC3E}">
+        <p14:creationId xmlns:p14="http://schemas.microsoft.com/office/powerpoint/2010/main" val="3130592035"/>
+      </p:ext>
+    </p:extLst>
+  </p:cSld>
+  <p:clrMapOvr>
+    <a:masterClrMapping/>
+  </p:clrMapOvr>
+  <p:timing>
+    <p:tnLst>
+      <p:par>
+        <p:cTn id="1" dur="indefinite" restart="never" nodeType="tmRoot"/>
+      </p:par>
+    </p:tnLst>
+  </p:timing>
+</p:sld>
+</file>
+
+<file path=ppt/slides/slide16.xml><?xml version="1.0" encoding="utf-8"?>
+<p:sld xmlns:a="http://schemas.openxmlformats.org/drawingml/2006/main" xmlns:r="http://schemas.openxmlformats.org/officeDocument/2006/relationships" xmlns:p="http://schemas.openxmlformats.org/presentationml/2006/main">
+  <p:cSld>
+    <p:spTree>
+      <p:nvGrpSpPr>
+        <p:cNvPr id="1" name=""/>
+        <p:cNvGrpSpPr/>
+        <p:nvPr/>
+      </p:nvGrpSpPr>
+      <p:grpSpPr>
+        <a:xfrm>
+          <a:off x="0" y="0"/>
+          <a:ext cx="0" cy="0"/>
+          <a:chOff x="0" y="0"/>
+          <a:chExt cx="0" cy="0"/>
+        </a:xfrm>
+      </p:grpSpPr>
+      <p:sp>
+        <p:nvSpPr>
+          <p:cNvPr id="9" name="pole tekstowe 8"/>
+          <p:cNvSpPr txBox="1"/>
+          <p:nvPr/>
+        </p:nvSpPr>
+        <p:spPr>
+          <a:xfrm>
+            <a:off x="489706" y="624631"/>
+            <a:ext cx="10374037" cy="3754874"/>
+          </a:xfrm>
+          <a:prstGeom prst="rect">
+            <a:avLst/>
+          </a:prstGeom>
+          <a:noFill/>
+        </p:spPr>
+        <p:txBody>
+          <a:bodyPr wrap="square" rtlCol="0">
+            <a:spAutoFit/>
+          </a:bodyPr>
+          <a:lstStyle/>
+          <a:p>
+            <a:r>
+              <a:rPr lang="pl-PL" sz="2800" b="1" dirty="0" smtClean="0"/>
+              <a:t>Statistics</a:t>
+            </a:r>
+            <a:endParaRPr lang="en-US" sz="2800" b="1" dirty="0"/>
+          </a:p>
+          <a:p>
+            <a:endParaRPr lang="en-US" dirty="0"/>
+          </a:p>
+          <a:p>
+            <a:pPr lvl="1"/>
+            <a:r>
+              <a:rPr lang="pl-PL" sz="1600" dirty="0" smtClean="0"/>
+              <a:t>Some </a:t>
+            </a:r>
+            <a:r>
+              <a:rPr lang="en-US" sz="1600" dirty="0" smtClean="0"/>
+              <a:t>statistics</a:t>
+            </a:r>
+            <a:r>
+              <a:rPr lang="en-US" sz="1600" dirty="0"/>
+              <a:t>, such as </a:t>
+            </a:r>
+            <a:r>
+              <a:rPr lang="en-US" sz="1600" dirty="0" err="1"/>
+              <a:t>worker_time</a:t>
+            </a:r>
+            <a:r>
+              <a:rPr lang="en-US" sz="1600" dirty="0"/>
+              <a:t> and </a:t>
+            </a:r>
+            <a:r>
+              <a:rPr lang="en-US" sz="1600" dirty="0" err="1" smtClean="0"/>
+              <a:t>elapsed_time</a:t>
+            </a:r>
+            <a:r>
+              <a:rPr lang="en-US" sz="1600" dirty="0"/>
+              <a:t>, do not get collected by DMVs such as </a:t>
+            </a:r>
+            <a:r>
+              <a:rPr lang="en-US" sz="1600" b="1" dirty="0" err="1" smtClean="0"/>
+              <a:t>sys.dm_exec_query_stats</a:t>
+            </a:r>
+            <a:r>
+              <a:rPr lang="en-US" sz="1600" dirty="0" smtClean="0"/>
+              <a:t> </a:t>
+            </a:r>
+            <a:r>
+              <a:rPr lang="en-US" sz="1600" dirty="0"/>
+              <a:t>and </a:t>
+            </a:r>
+            <a:r>
+              <a:rPr lang="en-US" sz="1600" b="1" dirty="0" err="1" smtClean="0"/>
+              <a:t>sys.dm_exec_procedure_stats</a:t>
+            </a:r>
+            <a:r>
+              <a:rPr lang="en-US" sz="1600" dirty="0"/>
+              <a:t>. </a:t>
+            </a:r>
+            <a:endParaRPr lang="pl-PL" sz="1600" dirty="0" smtClean="0"/>
+          </a:p>
+          <a:p>
+            <a:pPr lvl="1"/>
+            <a:endParaRPr lang="pl-PL" sz="1600" dirty="0"/>
+          </a:p>
+          <a:p>
+            <a:pPr lvl="1"/>
+            <a:r>
+              <a:rPr lang="en-US" sz="1600" dirty="0" smtClean="0"/>
+              <a:t>In </a:t>
+            </a:r>
+            <a:r>
+              <a:rPr lang="en-US" sz="1600" dirty="0"/>
+              <a:t>fact, these DMVs include no information about natively compiled </a:t>
+            </a:r>
+            <a:r>
+              <a:rPr lang="en-US" sz="1600" dirty="0" smtClean="0"/>
+              <a:t>stored</a:t>
+            </a:r>
+            <a:r>
+              <a:rPr lang="pl-PL" sz="1600" dirty="0" smtClean="0"/>
+              <a:t> </a:t>
+            </a:r>
+            <a:r>
+              <a:rPr lang="en-US" sz="1600" dirty="0" smtClean="0"/>
+              <a:t>procedures.</a:t>
+            </a:r>
+            <a:r>
+              <a:rPr lang="pl-PL" sz="1600" dirty="0" smtClean="0"/>
+              <a:t> </a:t>
+            </a:r>
+            <a:r>
+              <a:rPr lang="en-US" sz="1600" dirty="0" smtClean="0"/>
+              <a:t>Instead</a:t>
+            </a:r>
+            <a:r>
+              <a:rPr lang="en-US" sz="1600" dirty="0"/>
+              <a:t>, you need to specifically enable the collection of execution statistics by using </a:t>
+            </a:r>
+            <a:r>
+              <a:rPr lang="en-US" sz="1600" dirty="0" smtClean="0"/>
+              <a:t>one</a:t>
+            </a:r>
+            <a:r>
+              <a:rPr lang="pl-PL" sz="1600" dirty="0" smtClean="0"/>
+              <a:t> </a:t>
+            </a:r>
+            <a:r>
+              <a:rPr lang="en-US" sz="1600" dirty="0" smtClean="0"/>
+              <a:t>of </a:t>
+            </a:r>
+            <a:r>
+              <a:rPr lang="en-US" sz="1600" dirty="0"/>
+              <a:t>the following system stored </a:t>
+            </a:r>
+            <a:r>
+              <a:rPr lang="en-US" sz="1600" dirty="0" smtClean="0"/>
+              <a:t>procedures</a:t>
+            </a:r>
+            <a:endParaRPr lang="pl-PL" sz="1600" dirty="0" smtClean="0"/>
+          </a:p>
+          <a:p>
+            <a:pPr lvl="1"/>
+            <a:endParaRPr lang="pl-PL" sz="1600" dirty="0" smtClean="0"/>
+          </a:p>
+          <a:p>
+            <a:pPr lvl="1"/>
+            <a:r>
+              <a:rPr lang="en-US" sz="1600" b="1" dirty="0" err="1" smtClean="0"/>
+              <a:t>sys.sp_xtp_control_proc_exec_stats</a:t>
+            </a:r>
+            <a:endParaRPr lang="en-US" sz="1600" b="1" dirty="0"/>
+          </a:p>
+          <a:p>
+            <a:pPr lvl="2"/>
+            <a:r>
+              <a:rPr lang="en-US" sz="1600" i="1" dirty="0"/>
+              <a:t>Use this system stored procedure to enable statistics collection for your SQL Server instance at the procedure level</a:t>
+            </a:r>
+            <a:r>
+              <a:rPr lang="en-US" sz="1600" i="1" dirty="0" smtClean="0"/>
+              <a:t>.</a:t>
+            </a:r>
+            <a:endParaRPr lang="pl-PL" sz="1600" i="1" dirty="0" smtClean="0"/>
+          </a:p>
+          <a:p>
+            <a:pPr lvl="2"/>
+            <a:endParaRPr lang="en-US" sz="1600" dirty="0"/>
+          </a:p>
+          <a:p>
+            <a:pPr lvl="1"/>
+            <a:r>
+              <a:rPr lang="en-US" sz="1600" b="1" dirty="0" err="1"/>
+              <a:t>sys.sp_xtp_control_query_exec_stats</a:t>
+            </a:r>
+            <a:endParaRPr lang="en-US" sz="1600" b="1" dirty="0"/>
+          </a:p>
+          <a:p>
+            <a:pPr lvl="2"/>
+            <a:r>
+              <a:rPr lang="en-US" sz="1600" i="1" dirty="0"/>
+              <a:t>Use this system stored procedure to enable statistics collection at the query level for selected natively compiled stored procedures.</a:t>
+            </a:r>
+            <a:endParaRPr lang="pl-PL" sz="1600" i="1" dirty="0"/>
+          </a:p>
+        </p:txBody>
+      </p:sp>
+      <p:sp>
+        <p:nvSpPr>
+          <p:cNvPr id="12" name="Symbol zastępczy stopki 11"/>
+          <p:cNvSpPr>
+            <a:spLocks noGrp="1"/>
+          </p:cNvSpPr>
+          <p:nvPr>
+            <p:ph type="ftr" sz="quarter" idx="11"/>
+          </p:nvPr>
+        </p:nvSpPr>
+        <p:spPr>
+          <a:xfrm>
+            <a:off x="3869268" y="6356350"/>
+            <a:ext cx="5911517" cy="365125"/>
+          </a:xfrm>
+        </p:spPr>
+        <p:txBody>
+          <a:bodyPr/>
+          <a:lstStyle/>
+          <a:p>
+            <a:r>
+              <a:rPr lang="en-US" smtClean="0"/>
+              <a:t>Developing SQL Databases</a:t>
+            </a:r>
+            <a:endParaRPr lang="pl-PL" dirty="0"/>
+          </a:p>
+        </p:txBody>
+      </p:sp>
+    </p:spTree>
+    <p:extLst>
+      <p:ext uri="{BB962C8B-B14F-4D97-AF65-F5344CB8AC3E}">
+        <p14:creationId xmlns:p14="http://schemas.microsoft.com/office/powerpoint/2010/main" val="1362878677"/>
+      </p:ext>
+    </p:extLst>
+  </p:cSld>
+  <p:clrMapOvr>
+    <a:masterClrMapping/>
+  </p:clrMapOvr>
+  <p:timing>
+    <p:tnLst>
+      <p:par>
+        <p:cTn id="1" dur="indefinite" restart="never" nodeType="tmRoot"/>
+      </p:par>
+    </p:tnLst>
+  </p:timing>
+</p:sld>
+</file>
+
+<file path=ppt/slides/slide17.xml><?xml version="1.0" encoding="utf-8"?>
+<p:sld xmlns:a="http://schemas.openxmlformats.org/drawingml/2006/main" xmlns:r="http://schemas.openxmlformats.org/officeDocument/2006/relationships" xmlns:p="http://schemas.openxmlformats.org/presentationml/2006/main">
+  <p:cSld>
+    <p:spTree>
+      <p:nvGrpSpPr>
+        <p:cNvPr id="1" name=""/>
+        <p:cNvGrpSpPr/>
+        <p:nvPr/>
+      </p:nvGrpSpPr>
+      <p:grpSpPr>
+        <a:xfrm>
+          <a:off x="0" y="0"/>
+          <a:ext cx="0" cy="0"/>
+          <a:chOff x="0" y="0"/>
+          <a:chExt cx="0" cy="0"/>
+        </a:xfrm>
+      </p:grpSpPr>
+      <p:sp>
+        <p:nvSpPr>
+          <p:cNvPr id="9" name="pole tekstowe 8"/>
+          <p:cNvSpPr txBox="1"/>
+          <p:nvPr/>
+        </p:nvSpPr>
+        <p:spPr>
+          <a:xfrm>
+            <a:off x="489706" y="624631"/>
+            <a:ext cx="10374037" cy="1877437"/>
+          </a:xfrm>
+          <a:prstGeom prst="rect">
+            <a:avLst/>
+          </a:prstGeom>
+          <a:noFill/>
+        </p:spPr>
+        <p:txBody>
+          <a:bodyPr wrap="square" rtlCol="0">
+            <a:spAutoFit/>
+          </a:bodyPr>
+          <a:lstStyle/>
+          <a:p>
+            <a:r>
+              <a:rPr lang="pl-PL" sz="2800" b="1" dirty="0" smtClean="0"/>
               <a:t>LINKS</a:t>
             </a:r>
             <a:endParaRPr lang="en-US" sz="2800" b="1" dirty="0"/>
           </a:p>
           <a:p>
-            <a:endParaRPr lang="en-US" dirty="0"/>
+            <a:endParaRPr lang="en-US" sz="1100" dirty="0"/>
           </a:p>
           <a:p>
             <a:pPr lvl="1"/>
@@ -5122,8 +5815,29 @@
             <a:pPr lvl="1"/>
             <a:r>
               <a:rPr lang="pl-PL" sz="1100" dirty="0"/>
-              <a:t>https://blogs.msdn.microsoft.com/sqlserverstorageengine/2016/03/07/real-time-operational-analytics-memory-optimized-table-and-columnstore-index/</a:t>
-            </a:r>
+              <a:t>https://blogs.msdn.microsoft.com/sqlserverstorageengine/2016/03/07/real-time-operational-analytics-memory-optimized-table-and-columnstore-index</a:t>
+            </a:r>
+            <a:r>
+              <a:rPr lang="pl-PL" sz="1100" dirty="0" smtClean="0"/>
+              <a:t>/</a:t>
+            </a:r>
+          </a:p>
+          <a:p>
+            <a:pPr lvl="1"/>
+            <a:r>
+              <a:rPr lang="pl-PL" sz="1100" dirty="0"/>
+              <a:t>https://pl.seequality.net/in-memory-oltp-wstep-i-memory-optimized-tables/</a:t>
+            </a:r>
+          </a:p>
+          <a:p>
+            <a:pPr lvl="1"/>
+            <a:r>
+              <a:rPr lang="pl-PL" sz="1100" dirty="0"/>
+              <a:t>https://pl.seequality.net/memory-optimized-tables-wykorzystanie-dziennika/</a:t>
+            </a:r>
+          </a:p>
+          <a:p>
+            <a:pPr lvl="1"/>
             <a:endParaRPr lang="pl-PL" sz="1100" dirty="0"/>
           </a:p>
         </p:txBody>
@@ -5391,7 +6105,11 @@
           <a:p>
             <a:r>
               <a:rPr lang="pl-PL" sz="2800" b="1" dirty="0" smtClean="0"/>
-              <a:t>Usage Scenarios</a:t>
+              <a:t>Usage </a:t>
+            </a:r>
+            <a:r>
+              <a:rPr lang="pl-PL" sz="2800" b="1" dirty="0" smtClean="0"/>
+              <a:t>Scenarios (Tables)</a:t>
             </a:r>
             <a:endParaRPr lang="en-US" sz="2800" b="1" dirty="0"/>
           </a:p>
@@ -5633,179 +6351,6 @@
 </file>
 
 <file path=ppt/slides/slide4.xml><?xml version="1.0" encoding="utf-8"?>
-<p:sld xmlns:a="http://schemas.openxmlformats.org/drawingml/2006/main" xmlns:r="http://schemas.openxmlformats.org/officeDocument/2006/relationships" xmlns:p="http://schemas.openxmlformats.org/presentationml/2006/main">
-  <p:cSld>
-    <p:spTree>
-      <p:nvGrpSpPr>
-        <p:cNvPr id="1" name=""/>
-        <p:cNvGrpSpPr/>
-        <p:nvPr/>
-      </p:nvGrpSpPr>
-      <p:grpSpPr>
-        <a:xfrm>
-          <a:off x="0" y="0"/>
-          <a:ext cx="0" cy="0"/>
-          <a:chOff x="0" y="0"/>
-          <a:chExt cx="0" cy="0"/>
-        </a:xfrm>
-      </p:grpSpPr>
-      <p:sp>
-        <p:nvSpPr>
-          <p:cNvPr id="9" name="pole tekstowe 8"/>
-          <p:cNvSpPr txBox="1"/>
-          <p:nvPr/>
-        </p:nvSpPr>
-        <p:spPr>
-          <a:xfrm>
-            <a:off x="489706" y="624631"/>
-            <a:ext cx="10374037" cy="5232202"/>
-          </a:xfrm>
-          <a:prstGeom prst="rect">
-            <a:avLst/>
-          </a:prstGeom>
-          <a:noFill/>
-        </p:spPr>
-        <p:txBody>
-          <a:bodyPr wrap="square" rtlCol="0">
-            <a:spAutoFit/>
-          </a:bodyPr>
-          <a:lstStyle/>
-          <a:p>
-            <a:r>
-              <a:rPr lang="pl-PL" sz="2800" b="1" dirty="0" smtClean="0"/>
-              <a:t>Memory Optimized Tables</a:t>
-            </a:r>
-            <a:endParaRPr lang="en-US" sz="2800" b="1" dirty="0"/>
-          </a:p>
-          <a:p>
-            <a:endParaRPr lang="en-US" dirty="0"/>
-          </a:p>
-          <a:p>
-            <a:pPr lvl="1"/>
-            <a:r>
-              <a:rPr lang="en-US" dirty="0"/>
-              <a:t>Memory-optimized tables are fully durable by default, and, like transactions on (traditional) disk-based tables, transactions on memory-optimized tables are fully atomic, consistent, isolated, and durable (ACID</a:t>
-            </a:r>
-            <a:r>
-              <a:rPr lang="en-US" dirty="0" smtClean="0"/>
-              <a:t>).</a:t>
-            </a:r>
-            <a:endParaRPr lang="pl-PL" dirty="0" smtClean="0"/>
-          </a:p>
-          <a:p>
-            <a:pPr lvl="1"/>
-            <a:endParaRPr lang="pl-PL" dirty="0"/>
-          </a:p>
-          <a:p>
-            <a:pPr lvl="1"/>
-            <a:r>
-              <a:rPr lang="en-US" dirty="0"/>
-              <a:t>The primary storage for memory-optimized tables is the main memory. Rows in the table are read from and written to memory. A second copy of the table data is maintained on disk, but only for durability purposes</a:t>
-            </a:r>
-            <a:r>
-              <a:rPr lang="en-US" dirty="0" smtClean="0"/>
-              <a:t>.</a:t>
-            </a:r>
-            <a:endParaRPr lang="pl-PL" dirty="0" smtClean="0"/>
-          </a:p>
-          <a:p>
-            <a:pPr lvl="1"/>
-            <a:endParaRPr lang="pl-PL" dirty="0"/>
-          </a:p>
-          <a:p>
-            <a:pPr lvl="1"/>
-            <a:r>
-              <a:rPr lang="en-US" dirty="0"/>
-              <a:t>For even greater performance gains, In-Memory OLTP supports durable tables with transaction </a:t>
-            </a:r>
-            <a:r>
-              <a:rPr lang="en-US" b="1" dirty="0"/>
-              <a:t>durability delayed</a:t>
-            </a:r>
-            <a:r>
-              <a:rPr lang="en-US" dirty="0"/>
-              <a:t>. Delayed durable transactions are saved to disk soon after the transaction has committed and control was returned to the client. In exchange for the increased performance, committed transactions that have not saved to disk are lost in a server crash or fail over</a:t>
-            </a:r>
-            <a:r>
-              <a:rPr lang="en-US" dirty="0" smtClean="0"/>
-              <a:t>.</a:t>
-            </a:r>
-            <a:endParaRPr lang="pl-PL" dirty="0" smtClean="0"/>
-          </a:p>
-          <a:p>
-            <a:pPr lvl="1"/>
-            <a:endParaRPr lang="en-US" dirty="0"/>
-          </a:p>
-          <a:p>
-            <a:pPr lvl="1"/>
-            <a:r>
-              <a:rPr lang="en-US" dirty="0"/>
-              <a:t>Besides the default durable memory-optimized tables, SQL Server also supports </a:t>
-            </a:r>
-            <a:r>
-              <a:rPr lang="en-US" b="1" dirty="0"/>
-              <a:t>non-durable memory-optimized tables</a:t>
-            </a:r>
-            <a:r>
-              <a:rPr lang="en-US" dirty="0"/>
-              <a:t>, which are not logged and their data is not persisted on disk.</a:t>
-            </a:r>
-          </a:p>
-          <a:p>
-            <a:pPr lvl="1"/>
-            <a:endParaRPr lang="pl-PL" dirty="0"/>
-          </a:p>
-        </p:txBody>
-      </p:sp>
-      <p:sp>
-        <p:nvSpPr>
-          <p:cNvPr id="12" name="Symbol zastępczy stopki 11"/>
-          <p:cNvSpPr>
-            <a:spLocks noGrp="1"/>
-          </p:cNvSpPr>
-          <p:nvPr>
-            <p:ph type="ftr" sz="quarter" idx="11"/>
-          </p:nvPr>
-        </p:nvSpPr>
-        <p:spPr>
-          <a:xfrm>
-            <a:off x="3869268" y="6356350"/>
-            <a:ext cx="5911517" cy="365125"/>
-          </a:xfrm>
-        </p:spPr>
-        <p:txBody>
-          <a:bodyPr/>
-          <a:lstStyle/>
-          <a:p>
-            <a:r>
-              <a:rPr lang="en-US" smtClean="0"/>
-              <a:t>Developing SQL Databases</a:t>
-            </a:r>
-            <a:endParaRPr lang="pl-PL" dirty="0"/>
-          </a:p>
-        </p:txBody>
-      </p:sp>
-    </p:spTree>
-    <p:extLst>
-      <p:ext uri="{BB962C8B-B14F-4D97-AF65-F5344CB8AC3E}">
-        <p14:creationId xmlns:p14="http://schemas.microsoft.com/office/powerpoint/2010/main" val="4121112054"/>
-      </p:ext>
-    </p:extLst>
-  </p:cSld>
-  <p:clrMapOvr>
-    <a:masterClrMapping/>
-  </p:clrMapOvr>
-  <p:timing>
-    <p:tnLst>
-      <p:par>
-        <p:cTn id="1" dur="indefinite" restart="never" nodeType="tmRoot"/>
-      </p:par>
-    </p:tnLst>
-  </p:timing>
-</p:sld>
-</file>
-
-<file path=ppt/slides/slide5.xml><?xml version="1.0" encoding="utf-8"?>
 <p:sld xmlns:a="http://schemas.openxmlformats.org/drawingml/2006/main" xmlns:r="http://schemas.openxmlformats.org/officeDocument/2006/relationships" xmlns:p="http://schemas.openxmlformats.org/presentationml/2006/main">
   <p:cSld>
     <p:spTree>
@@ -5892,7 +6437,528 @@
 </p:sld>
 </file>
 
+<file path=ppt/slides/slide5.xml><?xml version="1.0" encoding="utf-8"?>
+<p:sld xmlns:a="http://schemas.openxmlformats.org/drawingml/2006/main" xmlns:r="http://schemas.openxmlformats.org/officeDocument/2006/relationships" xmlns:p="http://schemas.openxmlformats.org/presentationml/2006/main">
+  <p:cSld>
+    <p:spTree>
+      <p:nvGrpSpPr>
+        <p:cNvPr id="1" name=""/>
+        <p:cNvGrpSpPr/>
+        <p:nvPr/>
+      </p:nvGrpSpPr>
+      <p:grpSpPr>
+        <a:xfrm>
+          <a:off x="0" y="0"/>
+          <a:ext cx="0" cy="0"/>
+          <a:chOff x="0" y="0"/>
+          <a:chExt cx="0" cy="0"/>
+        </a:xfrm>
+      </p:grpSpPr>
+      <p:sp>
+        <p:nvSpPr>
+          <p:cNvPr id="2" name="Footer Placeholder 1"/>
+          <p:cNvSpPr>
+            <a:spLocks noGrp="1"/>
+          </p:cNvSpPr>
+          <p:nvPr>
+            <p:ph type="ftr" sz="quarter" idx="11"/>
+          </p:nvPr>
+        </p:nvSpPr>
+        <p:spPr/>
+        <p:txBody>
+          <a:bodyPr/>
+          <a:lstStyle/>
+          <a:p>
+            <a:r>
+              <a:rPr lang="en-US" smtClean="0"/>
+              <a:t>Developing SQL Databases</a:t>
+            </a:r>
+            <a:endParaRPr lang="en-US" dirty="0"/>
+          </a:p>
+        </p:txBody>
+      </p:sp>
+      <p:pic>
+        <p:nvPicPr>
+          <p:cNvPr id="3" name="Picture 2"/>
+          <p:cNvPicPr>
+            <a:picLocks noChangeAspect="1"/>
+          </p:cNvPicPr>
+          <p:nvPr/>
+        </p:nvPicPr>
+        <p:blipFill>
+          <a:blip r:embed="rId2"/>
+          <a:stretch>
+            <a:fillRect/>
+          </a:stretch>
+        </p:blipFill>
+        <p:spPr>
+          <a:xfrm>
+            <a:off x="1876425" y="1781175"/>
+            <a:ext cx="8439150" cy="3295650"/>
+          </a:xfrm>
+          <a:prstGeom prst="rect">
+            <a:avLst/>
+          </a:prstGeom>
+          <a:ln>
+            <a:noFill/>
+          </a:ln>
+          <a:effectLst>
+            <a:outerShdw blurRad="292100" dist="139700" dir="2700000" algn="tl" rotWithShape="0">
+              <a:srgbClr val="333333">
+                <a:alpha val="65000"/>
+              </a:srgbClr>
+            </a:outerShdw>
+          </a:effectLst>
+        </p:spPr>
+      </p:pic>
+    </p:spTree>
+    <p:extLst>
+      <p:ext uri="{BB962C8B-B14F-4D97-AF65-F5344CB8AC3E}">
+        <p14:creationId xmlns:p14="http://schemas.microsoft.com/office/powerpoint/2010/main" val="3596841223"/>
+      </p:ext>
+    </p:extLst>
+  </p:cSld>
+  <p:clrMapOvr>
+    <a:masterClrMapping/>
+  </p:clrMapOvr>
+</p:sld>
+</file>
+
 <file path=ppt/slides/slide6.xml><?xml version="1.0" encoding="utf-8"?>
+<p:sld xmlns:a="http://schemas.openxmlformats.org/drawingml/2006/main" xmlns:r="http://schemas.openxmlformats.org/officeDocument/2006/relationships" xmlns:p="http://schemas.openxmlformats.org/presentationml/2006/main">
+  <p:cSld>
+    <p:spTree>
+      <p:nvGrpSpPr>
+        <p:cNvPr id="1" name=""/>
+        <p:cNvGrpSpPr/>
+        <p:nvPr/>
+      </p:nvGrpSpPr>
+      <p:grpSpPr>
+        <a:xfrm>
+          <a:off x="0" y="0"/>
+          <a:ext cx="0" cy="0"/>
+          <a:chOff x="0" y="0"/>
+          <a:chExt cx="0" cy="0"/>
+        </a:xfrm>
+      </p:grpSpPr>
+      <p:sp>
+        <p:nvSpPr>
+          <p:cNvPr id="9" name="pole tekstowe 8"/>
+          <p:cNvSpPr txBox="1"/>
+          <p:nvPr/>
+        </p:nvSpPr>
+        <p:spPr>
+          <a:xfrm>
+            <a:off x="489706" y="624631"/>
+            <a:ext cx="10374037" cy="5232202"/>
+          </a:xfrm>
+          <a:prstGeom prst="rect">
+            <a:avLst/>
+          </a:prstGeom>
+          <a:noFill/>
+        </p:spPr>
+        <p:txBody>
+          <a:bodyPr wrap="square" rtlCol="0">
+            <a:spAutoFit/>
+          </a:bodyPr>
+          <a:lstStyle/>
+          <a:p>
+            <a:r>
+              <a:rPr lang="pl-PL" sz="2800" b="1" dirty="0" smtClean="0"/>
+              <a:t>Memory Optimized Tables</a:t>
+            </a:r>
+            <a:endParaRPr lang="en-US" sz="2800" b="1" dirty="0"/>
+          </a:p>
+          <a:p>
+            <a:endParaRPr lang="en-US" dirty="0"/>
+          </a:p>
+          <a:p>
+            <a:pPr lvl="1"/>
+            <a:r>
+              <a:rPr lang="en-US" dirty="0"/>
+              <a:t>Memory-optimized tables are fully durable by default, and, like transactions on (traditional) disk-based tables, transactions on memory-optimized tables are fully atomic, consistent, isolated, and durable (ACID</a:t>
+            </a:r>
+            <a:r>
+              <a:rPr lang="en-US" dirty="0" smtClean="0"/>
+              <a:t>).</a:t>
+            </a:r>
+            <a:endParaRPr lang="pl-PL" dirty="0" smtClean="0"/>
+          </a:p>
+          <a:p>
+            <a:pPr lvl="1"/>
+            <a:endParaRPr lang="pl-PL" dirty="0"/>
+          </a:p>
+          <a:p>
+            <a:pPr lvl="1"/>
+            <a:r>
+              <a:rPr lang="en-US" dirty="0"/>
+              <a:t>The primary storage for memory-optimized tables is the main memory. Rows in the table are read from and written to memory. A second copy of the table data is maintained on disk, but only for durability purposes</a:t>
+            </a:r>
+            <a:r>
+              <a:rPr lang="en-US" dirty="0" smtClean="0"/>
+              <a:t>.</a:t>
+            </a:r>
+            <a:endParaRPr lang="pl-PL" dirty="0" smtClean="0"/>
+          </a:p>
+          <a:p>
+            <a:pPr lvl="1"/>
+            <a:endParaRPr lang="pl-PL" dirty="0"/>
+          </a:p>
+          <a:p>
+            <a:pPr lvl="1"/>
+            <a:r>
+              <a:rPr lang="en-US" dirty="0"/>
+              <a:t>For even greater performance gains, In-Memory OLTP supports durable tables with transaction </a:t>
+            </a:r>
+            <a:r>
+              <a:rPr lang="en-US" b="1" dirty="0"/>
+              <a:t>durability delayed</a:t>
+            </a:r>
+            <a:r>
+              <a:rPr lang="en-US" dirty="0"/>
+              <a:t>. Delayed durable transactions are saved to disk soon after the transaction has committed and control was returned to the client. In exchange for the increased performance, committed transactions that have not saved to disk are lost in a server crash or fail over</a:t>
+            </a:r>
+            <a:r>
+              <a:rPr lang="en-US" dirty="0" smtClean="0"/>
+              <a:t>.</a:t>
+            </a:r>
+            <a:endParaRPr lang="pl-PL" dirty="0" smtClean="0"/>
+          </a:p>
+          <a:p>
+            <a:pPr lvl="1"/>
+            <a:endParaRPr lang="en-US" dirty="0"/>
+          </a:p>
+          <a:p>
+            <a:pPr lvl="1"/>
+            <a:r>
+              <a:rPr lang="en-US" dirty="0"/>
+              <a:t>Besides the default durable memory-optimized tables, SQL Server also supports </a:t>
+            </a:r>
+            <a:r>
+              <a:rPr lang="en-US" b="1" dirty="0"/>
+              <a:t>non-durable memory-optimized tables</a:t>
+            </a:r>
+            <a:r>
+              <a:rPr lang="en-US" dirty="0"/>
+              <a:t>, which are not logged and their data is not persisted on disk.</a:t>
+            </a:r>
+          </a:p>
+          <a:p>
+            <a:pPr lvl="1"/>
+            <a:endParaRPr lang="pl-PL" dirty="0"/>
+          </a:p>
+        </p:txBody>
+      </p:sp>
+      <p:sp>
+        <p:nvSpPr>
+          <p:cNvPr id="12" name="Symbol zastępczy stopki 11"/>
+          <p:cNvSpPr>
+            <a:spLocks noGrp="1"/>
+          </p:cNvSpPr>
+          <p:nvPr>
+            <p:ph type="ftr" sz="quarter" idx="11"/>
+          </p:nvPr>
+        </p:nvSpPr>
+        <p:spPr>
+          <a:xfrm>
+            <a:off x="3869268" y="6356350"/>
+            <a:ext cx="5911517" cy="365125"/>
+          </a:xfrm>
+        </p:spPr>
+        <p:txBody>
+          <a:bodyPr/>
+          <a:lstStyle/>
+          <a:p>
+            <a:r>
+              <a:rPr lang="en-US" smtClean="0"/>
+              <a:t>Developing SQL Databases</a:t>
+            </a:r>
+            <a:endParaRPr lang="pl-PL" dirty="0"/>
+          </a:p>
+        </p:txBody>
+      </p:sp>
+    </p:spTree>
+    <p:extLst>
+      <p:ext uri="{BB962C8B-B14F-4D97-AF65-F5344CB8AC3E}">
+        <p14:creationId xmlns:p14="http://schemas.microsoft.com/office/powerpoint/2010/main" val="4121112054"/>
+      </p:ext>
+    </p:extLst>
+  </p:cSld>
+  <p:clrMapOvr>
+    <a:masterClrMapping/>
+  </p:clrMapOvr>
+  <p:timing>
+    <p:tnLst>
+      <p:par>
+        <p:cTn id="1" dur="indefinite" restart="never" nodeType="tmRoot"/>
+      </p:par>
+    </p:tnLst>
+  </p:timing>
+</p:sld>
+</file>
+
+<file path=ppt/slides/slide7.xml><?xml version="1.0" encoding="utf-8"?>
+<p:sld xmlns:a="http://schemas.openxmlformats.org/drawingml/2006/main" xmlns:r="http://schemas.openxmlformats.org/officeDocument/2006/relationships" xmlns:p="http://schemas.openxmlformats.org/presentationml/2006/main">
+  <p:cSld>
+    <p:spTree>
+      <p:nvGrpSpPr>
+        <p:cNvPr id="1" name=""/>
+        <p:cNvGrpSpPr/>
+        <p:nvPr/>
+      </p:nvGrpSpPr>
+      <p:grpSpPr>
+        <a:xfrm>
+          <a:off x="0" y="0"/>
+          <a:ext cx="0" cy="0"/>
+          <a:chOff x="0" y="0"/>
+          <a:chExt cx="0" cy="0"/>
+        </a:xfrm>
+      </p:grpSpPr>
+      <p:sp>
+        <p:nvSpPr>
+          <p:cNvPr id="9" name="pole tekstowe 8"/>
+          <p:cNvSpPr txBox="1"/>
+          <p:nvPr/>
+        </p:nvSpPr>
+        <p:spPr>
+          <a:xfrm>
+            <a:off x="489706" y="624631"/>
+            <a:ext cx="10374037" cy="2739211"/>
+          </a:xfrm>
+          <a:prstGeom prst="rect">
+            <a:avLst/>
+          </a:prstGeom>
+          <a:noFill/>
+        </p:spPr>
+        <p:txBody>
+          <a:bodyPr wrap="square" rtlCol="0">
+            <a:spAutoFit/>
+          </a:bodyPr>
+          <a:lstStyle/>
+          <a:p>
+            <a:r>
+              <a:rPr lang="pl-PL" sz="2800" b="1" dirty="0" smtClean="0"/>
+              <a:t>Memory Optimized Tables</a:t>
+            </a:r>
+            <a:endParaRPr lang="en-US" sz="2800" b="1" dirty="0"/>
+          </a:p>
+          <a:p>
+            <a:endParaRPr lang="en-US" dirty="0"/>
+          </a:p>
+          <a:p>
+            <a:pPr lvl="1"/>
+            <a:r>
+              <a:rPr lang="en-US" dirty="0"/>
+              <a:t>Rows in memory-optimized tables are versioned. This means that each row in the table potentially has multiple versions. All row versions are maintained in the same table data structure. Row versioning is used to allow concurrent reads and writes on the same row.</a:t>
+            </a:r>
+          </a:p>
+          <a:p>
+            <a:pPr lvl="1"/>
+            <a:endParaRPr lang="en-US" dirty="0"/>
+          </a:p>
+          <a:p>
+            <a:pPr lvl="1"/>
+            <a:r>
+              <a:rPr lang="en-US" dirty="0"/>
+              <a:t>The following figure illustrates multi-versioning. The figure shows a table with three rows and each row has different versions</a:t>
+            </a:r>
+            <a:r>
+              <a:rPr lang="en-US" dirty="0" smtClean="0"/>
+              <a:t>.</a:t>
+            </a:r>
+            <a:endParaRPr lang="pl-PL" dirty="0" smtClean="0"/>
+          </a:p>
+          <a:p>
+            <a:pPr lvl="1"/>
+            <a:endParaRPr lang="pl-PL" dirty="0"/>
+          </a:p>
+        </p:txBody>
+      </p:sp>
+      <p:sp>
+        <p:nvSpPr>
+          <p:cNvPr id="12" name="Symbol zastępczy stopki 11"/>
+          <p:cNvSpPr>
+            <a:spLocks noGrp="1"/>
+          </p:cNvSpPr>
+          <p:nvPr>
+            <p:ph type="ftr" sz="quarter" idx="11"/>
+          </p:nvPr>
+        </p:nvSpPr>
+        <p:spPr>
+          <a:xfrm>
+            <a:off x="3869268" y="6356350"/>
+            <a:ext cx="5911517" cy="365125"/>
+          </a:xfrm>
+        </p:spPr>
+        <p:txBody>
+          <a:bodyPr/>
+          <a:lstStyle/>
+          <a:p>
+            <a:r>
+              <a:rPr lang="en-US" smtClean="0"/>
+              <a:t>Developing SQL Databases</a:t>
+            </a:r>
+            <a:endParaRPr lang="pl-PL" dirty="0"/>
+          </a:p>
+        </p:txBody>
+      </p:sp>
+      <p:sp>
+        <p:nvSpPr>
+          <p:cNvPr id="2" name="Rectangle 1"/>
+          <p:cNvSpPr/>
+          <p:nvPr/>
+        </p:nvSpPr>
+        <p:spPr>
+          <a:xfrm>
+            <a:off x="489705" y="5956240"/>
+            <a:ext cx="8802575" cy="246221"/>
+          </a:xfrm>
+          <a:prstGeom prst="rect">
+            <a:avLst/>
+          </a:prstGeom>
+        </p:spPr>
+        <p:txBody>
+          <a:bodyPr wrap="square">
+            <a:spAutoFit/>
+          </a:bodyPr>
+          <a:lstStyle/>
+          <a:p>
+            <a:r>
+              <a:rPr lang="pl-PL" sz="1000" dirty="0"/>
+              <a:t>https://docs.microsoft.com/en-us/sql/relational-databases/in-memory-oltp/introduction-to-memory-optimized-tables?view=sql-server-2017</a:t>
+            </a:r>
+          </a:p>
+        </p:txBody>
+      </p:sp>
+      <p:pic>
+        <p:nvPicPr>
+          <p:cNvPr id="1026" name="Picture 2" descr="Multi-versioning."/>
+          <p:cNvPicPr>
+            <a:picLocks noChangeAspect="1" noChangeArrowheads="1"/>
+          </p:cNvPicPr>
+          <p:nvPr/>
+        </p:nvPicPr>
+        <p:blipFill>
+          <a:blip r:embed="rId2">
+            <a:extLst>
+              <a:ext uri="{28A0092B-C50C-407E-A947-70E740481C1C}">
+                <a14:useLocalDpi xmlns:a14="http://schemas.microsoft.com/office/drawing/2010/main" val="0"/>
+              </a:ext>
+            </a:extLst>
+          </a:blip>
+          <a:srcRect/>
+          <a:stretch>
+            <a:fillRect/>
+          </a:stretch>
+        </p:blipFill>
+        <p:spPr bwMode="auto">
+          <a:xfrm>
+            <a:off x="7902874" y="3438631"/>
+            <a:ext cx="2960869" cy="2165822"/>
+          </a:xfrm>
+          <a:prstGeom prst="rect">
+            <a:avLst/>
+          </a:prstGeom>
+          <a:noFill/>
+          <a:extLst>
+            <a:ext uri="{909E8E84-426E-40DD-AFC4-6F175D3DCCD1}">
+              <a14:hiddenFill xmlns:a14="http://schemas.microsoft.com/office/drawing/2010/main">
+                <a:solidFill>
+                  <a:srgbClr val="FFFFFF"/>
+                </a:solidFill>
+              </a14:hiddenFill>
+            </a:ext>
+          </a:extLst>
+        </p:spPr>
+      </p:pic>
+      <p:sp>
+        <p:nvSpPr>
+          <p:cNvPr id="3" name="Rectangle 2"/>
+          <p:cNvSpPr/>
+          <p:nvPr/>
+        </p:nvSpPr>
+        <p:spPr>
+          <a:xfrm>
+            <a:off x="489704" y="2994968"/>
+            <a:ext cx="6907873" cy="1754326"/>
+          </a:xfrm>
+          <a:prstGeom prst="rect">
+            <a:avLst/>
+          </a:prstGeom>
+        </p:spPr>
+        <p:txBody>
+          <a:bodyPr wrap="square">
+            <a:spAutoFit/>
+          </a:bodyPr>
+          <a:lstStyle/>
+          <a:p>
+            <a:pPr lvl="1"/>
+            <a:endParaRPr lang="pl-PL" dirty="0"/>
+          </a:p>
+          <a:p>
+            <a:pPr lvl="1"/>
+            <a:r>
+              <a:rPr lang="en-US" dirty="0"/>
+              <a:t>Data in memory-optimized tables is accessed in two ways</a:t>
+            </a:r>
+            <a:r>
+              <a:rPr lang="en-US" dirty="0" smtClean="0"/>
+              <a:t>:</a:t>
+            </a:r>
+            <a:endParaRPr lang="pl-PL" dirty="0" smtClean="0"/>
+          </a:p>
+          <a:p>
+            <a:pPr lvl="1"/>
+            <a:endParaRPr lang="en-US" dirty="0"/>
+          </a:p>
+          <a:p>
+            <a:pPr marL="1200150" lvl="2" indent="-285750">
+              <a:buFont typeface="Arial" panose="020B0604020202020204" pitchFamily="34" charset="0"/>
+              <a:buChar char="•"/>
+            </a:pPr>
+            <a:r>
+              <a:rPr lang="en-US" dirty="0"/>
+              <a:t>Through natively compiled stored procedures.</a:t>
+            </a:r>
+          </a:p>
+          <a:p>
+            <a:pPr marL="1200150" lvl="2" indent="-285750">
+              <a:buFont typeface="Arial" panose="020B0604020202020204" pitchFamily="34" charset="0"/>
+              <a:buChar char="•"/>
+            </a:pPr>
+            <a:r>
+              <a:rPr lang="en-US" dirty="0"/>
+              <a:t>Through interpreted Transact-SQL, outside of a natively-compiled stored procedure</a:t>
+            </a:r>
+            <a:r>
+              <a:rPr lang="en-US" dirty="0" smtClean="0"/>
+              <a:t>.</a:t>
+            </a:r>
+            <a:endParaRPr lang="en-US" dirty="0"/>
+          </a:p>
+        </p:txBody>
+      </p:sp>
+    </p:spTree>
+    <p:extLst>
+      <p:ext uri="{BB962C8B-B14F-4D97-AF65-F5344CB8AC3E}">
+        <p14:creationId xmlns:p14="http://schemas.microsoft.com/office/powerpoint/2010/main" val="2518593298"/>
+      </p:ext>
+    </p:extLst>
+  </p:cSld>
+  <p:clrMapOvr>
+    <a:masterClrMapping/>
+  </p:clrMapOvr>
+  <p:timing>
+    <p:tnLst>
+      <p:par>
+        <p:cTn id="1" dur="indefinite" restart="never" nodeType="tmRoot"/>
+      </p:par>
+    </p:tnLst>
+  </p:timing>
+</p:sld>
+</file>
+
+<file path=ppt/slides/slide8.xml><?xml version="1.0" encoding="utf-8"?>
 <p:sld xmlns:a="http://schemas.openxmlformats.org/drawingml/2006/main" xmlns:r="http://schemas.openxmlformats.org/officeDocument/2006/relationships" xmlns:p="http://schemas.openxmlformats.org/presentationml/2006/main">
   <p:cSld>
     <p:spTree>
@@ -5979,218 +7045,6 @@
 </p:sld>
 </file>
 
-<file path=ppt/slides/slide7.xml><?xml version="1.0" encoding="utf-8"?>
-<p:sld xmlns:a="http://schemas.openxmlformats.org/drawingml/2006/main" xmlns:r="http://schemas.openxmlformats.org/officeDocument/2006/relationships" xmlns:p="http://schemas.openxmlformats.org/presentationml/2006/main">
-  <p:cSld>
-    <p:spTree>
-      <p:nvGrpSpPr>
-        <p:cNvPr id="1" name=""/>
-        <p:cNvGrpSpPr/>
-        <p:nvPr/>
-      </p:nvGrpSpPr>
-      <p:grpSpPr>
-        <a:xfrm>
-          <a:off x="0" y="0"/>
-          <a:ext cx="0" cy="0"/>
-          <a:chOff x="0" y="0"/>
-          <a:chExt cx="0" cy="0"/>
-        </a:xfrm>
-      </p:grpSpPr>
-      <p:sp>
-        <p:nvSpPr>
-          <p:cNvPr id="9" name="pole tekstowe 8"/>
-          <p:cNvSpPr txBox="1"/>
-          <p:nvPr/>
-        </p:nvSpPr>
-        <p:spPr>
-          <a:xfrm>
-            <a:off x="489706" y="624631"/>
-            <a:ext cx="10374037" cy="1077218"/>
-          </a:xfrm>
-          <a:prstGeom prst="rect">
-            <a:avLst/>
-          </a:prstGeom>
-          <a:noFill/>
-        </p:spPr>
-        <p:txBody>
-          <a:bodyPr wrap="square" rtlCol="0">
-            <a:spAutoFit/>
-          </a:bodyPr>
-          <a:lstStyle/>
-          <a:p>
-            <a:r>
-              <a:rPr lang="pl-PL" sz="2800" b="1" dirty="0" smtClean="0"/>
-              <a:t>Memory Optimized Tables</a:t>
-            </a:r>
-            <a:endParaRPr lang="en-US" sz="2800" b="1" dirty="0"/>
-          </a:p>
-          <a:p>
-            <a:endParaRPr lang="en-US" dirty="0"/>
-          </a:p>
-          <a:p>
-            <a:pPr lvl="1"/>
-            <a:r>
-              <a:rPr lang="pl-PL" dirty="0" smtClean="0"/>
-              <a:t>xxxxxxxxxxxxxxxxxxxx</a:t>
-            </a:r>
-            <a:endParaRPr lang="pl-PL" dirty="0"/>
-          </a:p>
-        </p:txBody>
-      </p:sp>
-      <p:sp>
-        <p:nvSpPr>
-          <p:cNvPr id="12" name="Symbol zastępczy stopki 11"/>
-          <p:cNvSpPr>
-            <a:spLocks noGrp="1"/>
-          </p:cNvSpPr>
-          <p:nvPr>
-            <p:ph type="ftr" sz="quarter" idx="11"/>
-          </p:nvPr>
-        </p:nvSpPr>
-        <p:spPr>
-          <a:xfrm>
-            <a:off x="3869268" y="6356350"/>
-            <a:ext cx="5911517" cy="365125"/>
-          </a:xfrm>
-        </p:spPr>
-        <p:txBody>
-          <a:bodyPr/>
-          <a:lstStyle/>
-          <a:p>
-            <a:r>
-              <a:rPr lang="en-US" smtClean="0"/>
-              <a:t>Developing SQL Databases</a:t>
-            </a:r>
-            <a:endParaRPr lang="pl-PL" dirty="0"/>
-          </a:p>
-        </p:txBody>
-      </p:sp>
-    </p:spTree>
-    <p:extLst>
-      <p:ext uri="{BB962C8B-B14F-4D97-AF65-F5344CB8AC3E}">
-        <p14:creationId xmlns:p14="http://schemas.microsoft.com/office/powerpoint/2010/main" val="2518593298"/>
-      </p:ext>
-    </p:extLst>
-  </p:cSld>
-  <p:clrMapOvr>
-    <a:masterClrMapping/>
-  </p:clrMapOvr>
-  <p:timing>
-    <p:tnLst>
-      <p:par>
-        <p:cTn id="1" dur="indefinite" restart="never" nodeType="tmRoot"/>
-      </p:par>
-    </p:tnLst>
-  </p:timing>
-</p:sld>
-</file>
-
-<file path=ppt/slides/slide8.xml><?xml version="1.0" encoding="utf-8"?>
-<p:sld xmlns:a="http://schemas.openxmlformats.org/drawingml/2006/main" xmlns:r="http://schemas.openxmlformats.org/officeDocument/2006/relationships" xmlns:p="http://schemas.openxmlformats.org/presentationml/2006/main">
-  <p:cSld>
-    <p:spTree>
-      <p:nvGrpSpPr>
-        <p:cNvPr id="1" name=""/>
-        <p:cNvGrpSpPr/>
-        <p:nvPr/>
-      </p:nvGrpSpPr>
-      <p:grpSpPr>
-        <a:xfrm>
-          <a:off x="0" y="0"/>
-          <a:ext cx="0" cy="0"/>
-          <a:chOff x="0" y="0"/>
-          <a:chExt cx="0" cy="0"/>
-        </a:xfrm>
-      </p:grpSpPr>
-      <p:sp>
-        <p:nvSpPr>
-          <p:cNvPr id="9" name="pole tekstowe 8"/>
-          <p:cNvSpPr txBox="1"/>
-          <p:nvPr/>
-        </p:nvSpPr>
-        <p:spPr>
-          <a:xfrm>
-            <a:off x="489706" y="624631"/>
-            <a:ext cx="10374037" cy="1077218"/>
-          </a:xfrm>
-          <a:prstGeom prst="rect">
-            <a:avLst/>
-          </a:prstGeom>
-          <a:noFill/>
-        </p:spPr>
-        <p:txBody>
-          <a:bodyPr wrap="square" rtlCol="0">
-            <a:spAutoFit/>
-          </a:bodyPr>
-          <a:lstStyle/>
-          <a:p>
-            <a:r>
-              <a:rPr lang="pl-PL" sz="2800" b="1" dirty="0" smtClean="0"/>
-              <a:t>Memory Optimized Tables</a:t>
-            </a:r>
-            <a:endParaRPr lang="en-US" sz="2800" b="1" dirty="0"/>
-          </a:p>
-          <a:p>
-            <a:endParaRPr lang="en-US" dirty="0"/>
-          </a:p>
-          <a:p>
-            <a:pPr lvl="1"/>
-            <a:r>
-              <a:rPr lang="pl-PL" dirty="0" smtClean="0"/>
-              <a:t>xxxxxxxxxxxxxxxxxxxx</a:t>
-            </a:r>
-            <a:endParaRPr lang="pl-PL" dirty="0"/>
-          </a:p>
-        </p:txBody>
-      </p:sp>
-      <p:sp>
-        <p:nvSpPr>
-          <p:cNvPr id="12" name="Symbol zastępczy stopki 11"/>
-          <p:cNvSpPr>
-            <a:spLocks noGrp="1"/>
-          </p:cNvSpPr>
-          <p:nvPr>
-            <p:ph type="ftr" sz="quarter" idx="11"/>
-          </p:nvPr>
-        </p:nvSpPr>
-        <p:spPr>
-          <a:xfrm>
-            <a:off x="3869268" y="6356350"/>
-            <a:ext cx="5911517" cy="365125"/>
-          </a:xfrm>
-        </p:spPr>
-        <p:txBody>
-          <a:bodyPr/>
-          <a:lstStyle/>
-          <a:p>
-            <a:r>
-              <a:rPr lang="en-US" smtClean="0"/>
-              <a:t>Developing SQL Databases</a:t>
-            </a:r>
-            <a:endParaRPr lang="pl-PL" dirty="0"/>
-          </a:p>
-        </p:txBody>
-      </p:sp>
-    </p:spTree>
-    <p:extLst>
-      <p:ext uri="{BB962C8B-B14F-4D97-AF65-F5344CB8AC3E}">
-        <p14:creationId xmlns:p14="http://schemas.microsoft.com/office/powerpoint/2010/main" val="3231378869"/>
-      </p:ext>
-    </p:extLst>
-  </p:cSld>
-  <p:clrMapOvr>
-    <a:masterClrMapping/>
-  </p:clrMapOvr>
-  <p:timing>
-    <p:tnLst>
-      <p:par>
-        <p:cTn id="1" dur="indefinite" restart="never" nodeType="tmRoot"/>
-      </p:par>
-    </p:tnLst>
-  </p:timing>
-</p:sld>
-</file>
-
 <file path=ppt/slides/slide9.xml><?xml version="1.0" encoding="utf-8"?>
 <p:sld xmlns:a="http://schemas.openxmlformats.org/drawingml/2006/main" xmlns:r="http://schemas.openxmlformats.org/officeDocument/2006/relationships" xmlns:p="http://schemas.openxmlformats.org/presentationml/2006/main">
   <p:cSld>
@@ -6217,7 +7071,7 @@
         <p:spPr>
           <a:xfrm>
             <a:off x="489706" y="624631"/>
-            <a:ext cx="10374037" cy="1077218"/>
+            <a:ext cx="10374037" cy="2739211"/>
           </a:xfrm>
           <a:prstGeom prst="rect">
             <a:avLst/>
@@ -6242,8 +7096,19 @@
           <a:p>
             <a:pPr lvl="1"/>
             <a:r>
-              <a:rPr lang="pl-PL" dirty="0" smtClean="0"/>
-              <a:t>xxxxxxxxxxxxxxxxxxxx</a:t>
+              <a:rPr lang="en-US" dirty="0"/>
+              <a:t>Natively compiled stored procedures are Transact-SQL stored procedures compiled to native code that access memory-optimized tables. Natively compiled stored procedures allow for efficient execution of the queries and business logic in the stored procedure.</a:t>
+            </a:r>
+          </a:p>
+          <a:p>
+            <a:pPr lvl="1"/>
+            <a:endParaRPr lang="en-US" dirty="0"/>
+          </a:p>
+          <a:p>
+            <a:pPr lvl="1"/>
+            <a:r>
+              <a:rPr lang="en-US" dirty="0"/>
+              <a:t>Stored procedures that are marked with NATIVE_COMPILATION are natively compiled. This means the Transact-SQL statements in the procedure are all compiled to native code for efficient execution of performance-critical business logic.</a:t>
             </a:r>
             <a:endParaRPr lang="pl-PL" dirty="0"/>
           </a:p>
